--- a/Unlocking Stock Performance Insights.pptx
+++ b/Unlocking Stock Performance Insights.pptx
@@ -25,6 +25,7 @@
     <p:sldId id="273" r:id="rId19"/>
     <p:sldId id="277" r:id="rId20"/>
     <p:sldId id="278" r:id="rId21"/>
+    <p:sldId id="279" r:id="rId22"/>
   </p:sldIdLst>
   <p:sldSz cx="12192000" cy="6858000"/>
   <p:notesSz cx="6858000" cy="9144000"/>
@@ -16846,7 +16847,7 @@
           <a:p>
             <a:fld id="{94F3F1CE-44BD-4617-8361-2A9109E4CBBF}" type="datetimeFigureOut">
               <a:rPr lang="en-US" smtClean="0"/>
-              <a:t>4/25/2025</a:t>
+              <a:t>4/29/2025</a:t>
             </a:fld>
             <a:endParaRPr lang="en-US"/>
           </a:p>
@@ -17057,7 +17058,7 @@
           <a:p>
             <a:fld id="{94F3F1CE-44BD-4617-8361-2A9109E4CBBF}" type="datetimeFigureOut">
               <a:rPr lang="en-US" smtClean="0"/>
-              <a:t>4/25/2025</a:t>
+              <a:t>4/29/2025</a:t>
             </a:fld>
             <a:endParaRPr lang="en-US"/>
           </a:p>
@@ -17272,7 +17273,7 @@
           <a:p>
             <a:fld id="{94F3F1CE-44BD-4617-8361-2A9109E4CBBF}" type="datetimeFigureOut">
               <a:rPr lang="en-US" smtClean="0"/>
-              <a:t>4/25/2025</a:t>
+              <a:t>4/29/2025</a:t>
             </a:fld>
             <a:endParaRPr lang="en-US"/>
           </a:p>
@@ -17473,7 +17474,7 @@
           <a:p>
             <a:fld id="{94F3F1CE-44BD-4617-8361-2A9109E4CBBF}" type="datetimeFigureOut">
               <a:rPr lang="en-US" smtClean="0"/>
-              <a:t>4/25/2025</a:t>
+              <a:t>4/29/2025</a:t>
             </a:fld>
             <a:endParaRPr lang="en-US"/>
           </a:p>
@@ -17752,7 +17753,7 @@
           <a:p>
             <a:fld id="{94F3F1CE-44BD-4617-8361-2A9109E4CBBF}" type="datetimeFigureOut">
               <a:rPr lang="en-US" smtClean="0"/>
-              <a:t>4/25/2025</a:t>
+              <a:t>4/29/2025</a:t>
             </a:fld>
             <a:endParaRPr lang="en-US"/>
           </a:p>
@@ -18020,7 +18021,7 @@
           <a:p>
             <a:fld id="{94F3F1CE-44BD-4617-8361-2A9109E4CBBF}" type="datetimeFigureOut">
               <a:rPr lang="en-US" smtClean="0"/>
-              <a:t>4/25/2025</a:t>
+              <a:t>4/29/2025</a:t>
             </a:fld>
             <a:endParaRPr lang="en-US"/>
           </a:p>
@@ -18436,7 +18437,7 @@
           <a:p>
             <a:fld id="{94F3F1CE-44BD-4617-8361-2A9109E4CBBF}" type="datetimeFigureOut">
               <a:rPr lang="en-US" smtClean="0"/>
-              <a:t>4/25/2025</a:t>
+              <a:t>4/29/2025</a:t>
             </a:fld>
             <a:endParaRPr lang="en-US"/>
           </a:p>
@@ -18585,7 +18586,7 @@
           <a:p>
             <a:fld id="{94F3F1CE-44BD-4617-8361-2A9109E4CBBF}" type="datetimeFigureOut">
               <a:rPr lang="en-US" smtClean="0"/>
-              <a:t>4/25/2025</a:t>
+              <a:t>4/29/2025</a:t>
             </a:fld>
             <a:endParaRPr lang="en-US"/>
           </a:p>
@@ -18711,7 +18712,7 @@
           <a:p>
             <a:fld id="{94F3F1CE-44BD-4617-8361-2A9109E4CBBF}" type="datetimeFigureOut">
               <a:rPr lang="en-US" smtClean="0"/>
-              <a:t>4/25/2025</a:t>
+              <a:t>4/29/2025</a:t>
             </a:fld>
             <a:endParaRPr lang="en-US"/>
           </a:p>
@@ -18962,7 +18963,7 @@
           <a:p>
             <a:fld id="{94F3F1CE-44BD-4617-8361-2A9109E4CBBF}" type="datetimeFigureOut">
               <a:rPr lang="en-US" smtClean="0"/>
-              <a:t>4/25/2025</a:t>
+              <a:t>4/29/2025</a:t>
             </a:fld>
             <a:endParaRPr lang="en-US"/>
           </a:p>
@@ -19407,7 +19408,7 @@
           <a:p>
             <a:fld id="{94F3F1CE-44BD-4617-8361-2A9109E4CBBF}" type="datetimeFigureOut">
               <a:rPr lang="en-US" smtClean="0"/>
-              <a:t>4/25/2025</a:t>
+              <a:t>4/29/2025</a:t>
             </a:fld>
             <a:endParaRPr lang="en-US"/>
           </a:p>
@@ -19734,7 +19735,7 @@
           <a:p>
             <a:fld id="{94F3F1CE-44BD-4617-8361-2A9109E4CBBF}" type="datetimeFigureOut">
               <a:rPr lang="en-US" smtClean="0"/>
-              <a:t>4/25/2025</a:t>
+              <a:t>4/29/2025</a:t>
             </a:fld>
             <a:endParaRPr lang="en-US"/>
           </a:p>
@@ -24976,6 +24977,245 @@
 </p:sld>
 </file>
 
+<file path=ppt/slides/slide21.xml><?xml version="1.0" encoding="utf-8"?>
+<p:sld xmlns:a="http://schemas.openxmlformats.org/drawingml/2006/main" xmlns:r="http://schemas.openxmlformats.org/officeDocument/2006/relationships" xmlns:p="http://schemas.openxmlformats.org/presentationml/2006/main">
+  <p:cSld>
+    <p:spTree>
+      <p:nvGrpSpPr>
+        <p:cNvPr id="1" name=""/>
+        <p:cNvGrpSpPr/>
+        <p:nvPr/>
+      </p:nvGrpSpPr>
+      <p:grpSpPr>
+        <a:xfrm>
+          <a:off x="0" y="0"/>
+          <a:ext cx="0" cy="0"/>
+          <a:chOff x="0" y="0"/>
+          <a:chExt cx="0" cy="0"/>
+        </a:xfrm>
+      </p:grpSpPr>
+      <p:sp>
+        <p:nvSpPr>
+          <p:cNvPr id="2" name="Title 1">
+            <a:extLst>
+              <a:ext uri="{FF2B5EF4-FFF2-40B4-BE49-F238E27FC236}">
+                <a16:creationId xmlns:a16="http://schemas.microsoft.com/office/drawing/2014/main" id="{03DDA7DE-8C1D-7AF4-87FB-5E51F5556DCF}"/>
+              </a:ext>
+            </a:extLst>
+          </p:cNvPr>
+          <p:cNvSpPr>
+            <a:spLocks noGrp="1"/>
+          </p:cNvSpPr>
+          <p:nvPr>
+            <p:ph type="title"/>
+          </p:nvPr>
+        </p:nvSpPr>
+        <p:spPr/>
+        <p:txBody>
+          <a:bodyPr/>
+          <a:lstStyle/>
+          <a:p>
+            <a:r>
+              <a:rPr lang="en-US" dirty="0"/>
+              <a:t>Work cited</a:t>
+            </a:r>
+          </a:p>
+        </p:txBody>
+      </p:sp>
+      <p:sp>
+        <p:nvSpPr>
+          <p:cNvPr id="3" name="Content Placeholder 2">
+            <a:extLst>
+              <a:ext uri="{FF2B5EF4-FFF2-40B4-BE49-F238E27FC236}">
+                <a16:creationId xmlns:a16="http://schemas.microsoft.com/office/drawing/2014/main" id="{0CDDB27D-904F-258C-A7BA-2AB68EC04B37}"/>
+              </a:ext>
+            </a:extLst>
+          </p:cNvPr>
+          <p:cNvSpPr>
+            <a:spLocks noGrp="1"/>
+          </p:cNvSpPr>
+          <p:nvPr>
+            <p:ph idx="1"/>
+          </p:nvPr>
+        </p:nvSpPr>
+        <p:spPr/>
+        <p:txBody>
+          <a:bodyPr/>
+          <a:lstStyle/>
+          <a:p>
+            <a:pPr rtl="0">
+              <a:buNone/>
+            </a:pPr>
+            <a:r>
+              <a:rPr lang="en-US" sz="1800" b="0" i="0" u="none" strike="noStrike" dirty="0">
+                <a:solidFill>
+                  <a:srgbClr val="000000"/>
+                </a:solidFill>
+                <a:effectLst/>
+                <a:latin typeface="Times New Roman" panose="02020603050405020304" pitchFamily="18" charset="0"/>
+              </a:rPr>
+              <a:t>Bloomberg. (n.d.). </a:t>
+            </a:r>
+            <a:r>
+              <a:rPr lang="en-US" sz="1800" b="0" i="1" u="none" strike="noStrike" dirty="0">
+                <a:solidFill>
+                  <a:srgbClr val="000000"/>
+                </a:solidFill>
+                <a:effectLst/>
+                <a:latin typeface="Times New Roman" panose="02020603050405020304" pitchFamily="18" charset="0"/>
+              </a:rPr>
+              <a:t>Company profiles</a:t>
+            </a:r>
+            <a:r>
+              <a:rPr lang="en-US" sz="1800" b="0" i="0" u="none" strike="noStrike" dirty="0">
+                <a:solidFill>
+                  <a:srgbClr val="000000"/>
+                </a:solidFill>
+                <a:effectLst/>
+                <a:latin typeface="Times New Roman" panose="02020603050405020304" pitchFamily="18" charset="0"/>
+              </a:rPr>
+              <a:t>. Bloomberg. Retrieved from</a:t>
+            </a:r>
+            <a:r>
+              <a:rPr lang="en-US" sz="1800" b="0" i="0" u="none" strike="noStrike" dirty="0">
+                <a:solidFill>
+                  <a:srgbClr val="000000"/>
+                </a:solidFill>
+                <a:effectLst/>
+                <a:latin typeface="Times New Roman" panose="02020603050405020304" pitchFamily="18" charset="0"/>
+                <a:hlinkClick r:id="rId2"/>
+              </a:rPr>
+              <a:t> </a:t>
+            </a:r>
+            <a:r>
+              <a:rPr lang="en-US" sz="1800" b="0" i="0" u="sng" strike="noStrike" dirty="0">
+                <a:solidFill>
+                  <a:srgbClr val="1155CC"/>
+                </a:solidFill>
+                <a:effectLst/>
+                <a:latin typeface="Times New Roman" panose="02020603050405020304" pitchFamily="18" charset="0"/>
+                <a:hlinkClick r:id="rId2"/>
+              </a:rPr>
+              <a:t>https://www.bloomberg.com</a:t>
+            </a:r>
+            <a:endParaRPr lang="en-US" b="0" dirty="0">
+              <a:effectLst/>
+            </a:endParaRPr>
+          </a:p>
+          <a:p>
+            <a:pPr rtl="0">
+              <a:buNone/>
+            </a:pPr>
+            <a:r>
+              <a:rPr lang="en-US" sz="1800" b="0" i="0" u="none" strike="noStrike" dirty="0" err="1">
+                <a:solidFill>
+                  <a:srgbClr val="000000"/>
+                </a:solidFill>
+                <a:effectLst/>
+                <a:latin typeface="Times New Roman" panose="02020603050405020304" pitchFamily="18" charset="0"/>
+              </a:rPr>
+              <a:t>Finsheet</a:t>
+            </a:r>
+            <a:r>
+              <a:rPr lang="en-US" sz="1800" b="0" i="0" u="none" strike="noStrike" dirty="0">
+                <a:solidFill>
+                  <a:srgbClr val="000000"/>
+                </a:solidFill>
+                <a:effectLst/>
+                <a:latin typeface="Times New Roman" panose="02020603050405020304" pitchFamily="18" charset="0"/>
+              </a:rPr>
+              <a:t>. (n.d.). </a:t>
+            </a:r>
+            <a:r>
+              <a:rPr lang="en-US" sz="1800" b="0" i="1" u="none" strike="noStrike" dirty="0">
+                <a:solidFill>
+                  <a:srgbClr val="000000"/>
+                </a:solidFill>
+                <a:effectLst/>
+                <a:latin typeface="Times New Roman" panose="02020603050405020304" pitchFamily="18" charset="0"/>
+              </a:rPr>
+              <a:t>Financial data analysis tools</a:t>
+            </a:r>
+            <a:r>
+              <a:rPr lang="en-US" sz="1800" b="0" i="0" u="none" strike="noStrike" dirty="0">
+                <a:solidFill>
+                  <a:srgbClr val="000000"/>
+                </a:solidFill>
+                <a:effectLst/>
+                <a:latin typeface="Times New Roman" panose="02020603050405020304" pitchFamily="18" charset="0"/>
+              </a:rPr>
+              <a:t>. </a:t>
+            </a:r>
+            <a:r>
+              <a:rPr lang="en-US" sz="1800" b="0" i="0" u="none" strike="noStrike" dirty="0" err="1">
+                <a:solidFill>
+                  <a:srgbClr val="000000"/>
+                </a:solidFill>
+                <a:effectLst/>
+                <a:latin typeface="Times New Roman" panose="02020603050405020304" pitchFamily="18" charset="0"/>
+              </a:rPr>
+              <a:t>Finsheet</a:t>
+            </a:r>
+            <a:r>
+              <a:rPr lang="en-US" sz="1800" b="0" i="0" u="none" strike="noStrike" dirty="0">
+                <a:solidFill>
+                  <a:srgbClr val="000000"/>
+                </a:solidFill>
+                <a:effectLst/>
+                <a:latin typeface="Times New Roman" panose="02020603050405020304" pitchFamily="18" charset="0"/>
+              </a:rPr>
+              <a:t>. Retrieved from</a:t>
+            </a:r>
+            <a:r>
+              <a:rPr lang="en-US" sz="1800" b="0" i="0" u="none" strike="noStrike" dirty="0">
+                <a:solidFill>
+                  <a:srgbClr val="000000"/>
+                </a:solidFill>
+                <a:effectLst/>
+                <a:latin typeface="Times New Roman" panose="02020603050405020304" pitchFamily="18" charset="0"/>
+                <a:hlinkClick r:id="rId3"/>
+              </a:rPr>
+              <a:t> </a:t>
+            </a:r>
+            <a:r>
+              <a:rPr lang="en-US" sz="1800" b="0" i="0" u="sng" strike="noStrike" dirty="0">
+                <a:solidFill>
+                  <a:srgbClr val="1155CC"/>
+                </a:solidFill>
+                <a:effectLst/>
+                <a:latin typeface="Times New Roman" panose="02020603050405020304" pitchFamily="18" charset="0"/>
+                <a:hlinkClick r:id="rId3"/>
+              </a:rPr>
+              <a:t>https://www.finsheet.io</a:t>
+            </a:r>
+            <a:endParaRPr lang="en-US" b="0" dirty="0">
+              <a:effectLst/>
+            </a:endParaRPr>
+          </a:p>
+          <a:p>
+            <a:pPr>
+              <a:buNone/>
+            </a:pPr>
+            <a:br>
+              <a:rPr lang="en-US" dirty="0"/>
+            </a:br>
+            <a:endParaRPr lang="en-US" dirty="0"/>
+          </a:p>
+        </p:txBody>
+      </p:sp>
+    </p:spTree>
+    <p:extLst>
+      <p:ext uri="{BB962C8B-B14F-4D97-AF65-F5344CB8AC3E}">
+        <p14:creationId xmlns:p14="http://schemas.microsoft.com/office/powerpoint/2010/main" val="3630100180"/>
+      </p:ext>
+    </p:extLst>
+  </p:cSld>
+  <p:clrMapOvr>
+    <a:masterClrMapping/>
+  </p:clrMapOvr>
+</p:sld>
+</file>
+
 <file path=ppt/slides/slide3.xml><?xml version="1.0" encoding="utf-8"?>
 <p:sld xmlns:a="http://schemas.openxmlformats.org/drawingml/2006/main" xmlns:r="http://schemas.openxmlformats.org/officeDocument/2006/relationships" xmlns:p="http://schemas.openxmlformats.org/presentationml/2006/main">
   <p:cSld>

--- a/Unlocking Stock Performance Insights.pptx
+++ b/Unlocking Stock Performance Insights.pptx
@@ -22,10 +22,11 @@
     <p:sldId id="261" r:id="rId16"/>
     <p:sldId id="275" r:id="rId17"/>
     <p:sldId id="274" r:id="rId18"/>
-    <p:sldId id="273" r:id="rId19"/>
-    <p:sldId id="277" r:id="rId20"/>
-    <p:sldId id="278" r:id="rId21"/>
-    <p:sldId id="279" r:id="rId22"/>
+    <p:sldId id="280" r:id="rId19"/>
+    <p:sldId id="273" r:id="rId20"/>
+    <p:sldId id="277" r:id="rId21"/>
+    <p:sldId id="278" r:id="rId22"/>
+    <p:sldId id="279" r:id="rId23"/>
   </p:sldIdLst>
   <p:sldSz cx="12192000" cy="6858000"/>
   <p:notesSz cx="6858000" cy="9144000"/>
@@ -3363,6 +3364,753 @@
 </file>
 
 <file path=ppt/diagrams/colors5.xml><?xml version="1.0" encoding="utf-8"?>
+<dgm:colorsDef xmlns:dgm="http://schemas.openxmlformats.org/drawingml/2006/diagram" xmlns:a="http://schemas.openxmlformats.org/drawingml/2006/main" uniqueId="urn:microsoft.com/office/officeart/2005/8/colors/accent1_2">
+  <dgm:title val=""/>
+  <dgm:desc val=""/>
+  <dgm:catLst>
+    <dgm:cat type="accent1" pri="11200"/>
+  </dgm:catLst>
+  <dgm:styleLbl name="node0">
+    <dgm:fillClrLst meth="repeat">
+      <a:schemeClr val="accent1"/>
+    </dgm:fillClrLst>
+    <dgm:linClrLst meth="repeat">
+      <a:schemeClr val="lt1"/>
+    </dgm:linClrLst>
+    <dgm:effectClrLst/>
+    <dgm:txLinClrLst/>
+    <dgm:txFillClrLst/>
+    <dgm:txEffectClrLst/>
+  </dgm:styleLbl>
+  <dgm:styleLbl name="alignNode1">
+    <dgm:fillClrLst meth="repeat">
+      <a:schemeClr val="accent1"/>
+    </dgm:fillClrLst>
+    <dgm:linClrLst meth="repeat">
+      <a:schemeClr val="accent1"/>
+    </dgm:linClrLst>
+    <dgm:effectClrLst/>
+    <dgm:txLinClrLst/>
+    <dgm:txFillClrLst/>
+    <dgm:txEffectClrLst/>
+  </dgm:styleLbl>
+  <dgm:styleLbl name="node1">
+    <dgm:fillClrLst meth="repeat">
+      <a:schemeClr val="accent1"/>
+    </dgm:fillClrLst>
+    <dgm:linClrLst meth="repeat">
+      <a:schemeClr val="lt1"/>
+    </dgm:linClrLst>
+    <dgm:effectClrLst/>
+    <dgm:txLinClrLst/>
+    <dgm:txFillClrLst/>
+    <dgm:txEffectClrLst/>
+  </dgm:styleLbl>
+  <dgm:styleLbl name="lnNode1">
+    <dgm:fillClrLst meth="repeat">
+      <a:schemeClr val="accent1"/>
+    </dgm:fillClrLst>
+    <dgm:linClrLst meth="repeat">
+      <a:schemeClr val="lt1"/>
+    </dgm:linClrLst>
+    <dgm:effectClrLst/>
+    <dgm:txLinClrLst/>
+    <dgm:txFillClrLst/>
+    <dgm:txEffectClrLst/>
+  </dgm:styleLbl>
+  <dgm:styleLbl name="vennNode1">
+    <dgm:fillClrLst meth="repeat">
+      <a:schemeClr val="accent1">
+        <a:alpha val="50000"/>
+      </a:schemeClr>
+    </dgm:fillClrLst>
+    <dgm:linClrLst meth="repeat">
+      <a:schemeClr val="lt1"/>
+    </dgm:linClrLst>
+    <dgm:effectClrLst/>
+    <dgm:txLinClrLst/>
+    <dgm:txFillClrLst/>
+    <dgm:txEffectClrLst/>
+  </dgm:styleLbl>
+  <dgm:styleLbl name="node2">
+    <dgm:fillClrLst meth="repeat">
+      <a:schemeClr val="accent1"/>
+    </dgm:fillClrLst>
+    <dgm:linClrLst meth="repeat">
+      <a:schemeClr val="lt1"/>
+    </dgm:linClrLst>
+    <dgm:effectClrLst/>
+    <dgm:txLinClrLst/>
+    <dgm:txFillClrLst/>
+    <dgm:txEffectClrLst/>
+  </dgm:styleLbl>
+  <dgm:styleLbl name="node3">
+    <dgm:fillClrLst meth="repeat">
+      <a:schemeClr val="accent1"/>
+    </dgm:fillClrLst>
+    <dgm:linClrLst meth="repeat">
+      <a:schemeClr val="lt1"/>
+    </dgm:linClrLst>
+    <dgm:effectClrLst/>
+    <dgm:txLinClrLst/>
+    <dgm:txFillClrLst/>
+    <dgm:txEffectClrLst/>
+  </dgm:styleLbl>
+  <dgm:styleLbl name="node4">
+    <dgm:fillClrLst meth="repeat">
+      <a:schemeClr val="accent1"/>
+    </dgm:fillClrLst>
+    <dgm:linClrLst meth="repeat">
+      <a:schemeClr val="lt1"/>
+    </dgm:linClrLst>
+    <dgm:effectClrLst/>
+    <dgm:txLinClrLst/>
+    <dgm:txFillClrLst/>
+    <dgm:txEffectClrLst/>
+  </dgm:styleLbl>
+  <dgm:styleLbl name="fgImgPlace1">
+    <dgm:fillClrLst meth="repeat">
+      <a:schemeClr val="accent1">
+        <a:tint val="50000"/>
+      </a:schemeClr>
+    </dgm:fillClrLst>
+    <dgm:linClrLst meth="repeat">
+      <a:schemeClr val="lt1"/>
+    </dgm:linClrLst>
+    <dgm:effectClrLst/>
+    <dgm:txLinClrLst/>
+    <dgm:txFillClrLst meth="repeat">
+      <a:schemeClr val="lt1"/>
+    </dgm:txFillClrLst>
+    <dgm:txEffectClrLst/>
+  </dgm:styleLbl>
+  <dgm:styleLbl name="alignImgPlace1">
+    <dgm:fillClrLst meth="repeat">
+      <a:schemeClr val="accent1">
+        <a:tint val="50000"/>
+      </a:schemeClr>
+    </dgm:fillClrLst>
+    <dgm:linClrLst meth="repeat">
+      <a:schemeClr val="lt1"/>
+    </dgm:linClrLst>
+    <dgm:effectClrLst/>
+    <dgm:txLinClrLst/>
+    <dgm:txFillClrLst meth="repeat">
+      <a:schemeClr val="lt1"/>
+    </dgm:txFillClrLst>
+    <dgm:txEffectClrLst/>
+  </dgm:styleLbl>
+  <dgm:styleLbl name="bgImgPlace1">
+    <dgm:fillClrLst meth="repeat">
+      <a:schemeClr val="accent1">
+        <a:tint val="50000"/>
+      </a:schemeClr>
+    </dgm:fillClrLst>
+    <dgm:linClrLst meth="repeat">
+      <a:schemeClr val="lt1"/>
+    </dgm:linClrLst>
+    <dgm:effectClrLst/>
+    <dgm:txLinClrLst/>
+    <dgm:txFillClrLst meth="repeat">
+      <a:schemeClr val="lt1"/>
+    </dgm:txFillClrLst>
+    <dgm:txEffectClrLst/>
+  </dgm:styleLbl>
+  <dgm:styleLbl name="sibTrans2D1">
+    <dgm:fillClrLst meth="repeat">
+      <a:schemeClr val="accent1">
+        <a:tint val="60000"/>
+      </a:schemeClr>
+    </dgm:fillClrLst>
+    <dgm:linClrLst meth="repeat">
+      <a:schemeClr val="accent1">
+        <a:tint val="60000"/>
+      </a:schemeClr>
+    </dgm:linClrLst>
+    <dgm:effectClrLst/>
+    <dgm:txLinClrLst/>
+    <dgm:txFillClrLst/>
+    <dgm:txEffectClrLst/>
+  </dgm:styleLbl>
+  <dgm:styleLbl name="fgSibTrans2D1">
+    <dgm:fillClrLst meth="repeat">
+      <a:schemeClr val="accent1">
+        <a:tint val="60000"/>
+      </a:schemeClr>
+    </dgm:fillClrLst>
+    <dgm:linClrLst meth="repeat">
+      <a:schemeClr val="accent1">
+        <a:tint val="60000"/>
+      </a:schemeClr>
+    </dgm:linClrLst>
+    <dgm:effectClrLst/>
+    <dgm:txLinClrLst/>
+    <dgm:txFillClrLst/>
+    <dgm:txEffectClrLst/>
+  </dgm:styleLbl>
+  <dgm:styleLbl name="bgSibTrans2D1">
+    <dgm:fillClrLst meth="repeat">
+      <a:schemeClr val="accent1">
+        <a:tint val="60000"/>
+      </a:schemeClr>
+    </dgm:fillClrLst>
+    <dgm:linClrLst meth="repeat">
+      <a:schemeClr val="accent1">
+        <a:tint val="60000"/>
+      </a:schemeClr>
+    </dgm:linClrLst>
+    <dgm:effectClrLst/>
+    <dgm:txLinClrLst/>
+    <dgm:txFillClrLst/>
+    <dgm:txEffectClrLst/>
+  </dgm:styleLbl>
+  <dgm:styleLbl name="sibTrans1D1">
+    <dgm:fillClrLst meth="repeat">
+      <a:schemeClr val="accent1"/>
+    </dgm:fillClrLst>
+    <dgm:linClrLst meth="repeat">
+      <a:schemeClr val="accent1"/>
+    </dgm:linClrLst>
+    <dgm:effectClrLst/>
+    <dgm:txLinClrLst/>
+    <dgm:txFillClrLst meth="repeat">
+      <a:schemeClr val="tx1"/>
+    </dgm:txFillClrLst>
+    <dgm:txEffectClrLst/>
+  </dgm:styleLbl>
+  <dgm:styleLbl name="callout">
+    <dgm:fillClrLst meth="repeat">
+      <a:schemeClr val="accent1"/>
+    </dgm:fillClrLst>
+    <dgm:linClrLst meth="repeat">
+      <a:schemeClr val="accent1">
+        <a:tint val="50000"/>
+      </a:schemeClr>
+    </dgm:linClrLst>
+    <dgm:effectClrLst/>
+    <dgm:txLinClrLst/>
+    <dgm:txFillClrLst meth="repeat">
+      <a:schemeClr val="tx1"/>
+    </dgm:txFillClrLst>
+    <dgm:txEffectClrLst/>
+  </dgm:styleLbl>
+  <dgm:styleLbl name="asst0">
+    <dgm:fillClrLst meth="repeat">
+      <a:schemeClr val="accent1"/>
+    </dgm:fillClrLst>
+    <dgm:linClrLst meth="repeat">
+      <a:schemeClr val="lt1"/>
+    </dgm:linClrLst>
+    <dgm:effectClrLst/>
+    <dgm:txLinClrLst/>
+    <dgm:txFillClrLst/>
+    <dgm:txEffectClrLst/>
+  </dgm:styleLbl>
+  <dgm:styleLbl name="asst1">
+    <dgm:fillClrLst meth="repeat">
+      <a:schemeClr val="accent1"/>
+    </dgm:fillClrLst>
+    <dgm:linClrLst meth="repeat">
+      <a:schemeClr val="lt1"/>
+    </dgm:linClrLst>
+    <dgm:effectClrLst/>
+    <dgm:txLinClrLst/>
+    <dgm:txFillClrLst/>
+    <dgm:txEffectClrLst/>
+  </dgm:styleLbl>
+  <dgm:styleLbl name="asst2">
+    <dgm:fillClrLst meth="repeat">
+      <a:schemeClr val="accent1"/>
+    </dgm:fillClrLst>
+    <dgm:linClrLst meth="repeat">
+      <a:schemeClr val="lt1"/>
+    </dgm:linClrLst>
+    <dgm:effectClrLst/>
+    <dgm:txLinClrLst/>
+    <dgm:txFillClrLst/>
+    <dgm:txEffectClrLst/>
+  </dgm:styleLbl>
+  <dgm:styleLbl name="asst3">
+    <dgm:fillClrLst meth="repeat">
+      <a:schemeClr val="accent1"/>
+    </dgm:fillClrLst>
+    <dgm:linClrLst meth="repeat">
+      <a:schemeClr val="lt1"/>
+    </dgm:linClrLst>
+    <dgm:effectClrLst/>
+    <dgm:txLinClrLst/>
+    <dgm:txFillClrLst/>
+    <dgm:txEffectClrLst/>
+  </dgm:styleLbl>
+  <dgm:styleLbl name="asst4">
+    <dgm:fillClrLst meth="repeat">
+      <a:schemeClr val="accent1"/>
+    </dgm:fillClrLst>
+    <dgm:linClrLst meth="repeat">
+      <a:schemeClr val="lt1"/>
+    </dgm:linClrLst>
+    <dgm:effectClrLst/>
+    <dgm:txLinClrLst/>
+    <dgm:txFillClrLst/>
+    <dgm:txEffectClrLst/>
+  </dgm:styleLbl>
+  <dgm:styleLbl name="parChTrans2D1">
+    <dgm:fillClrLst meth="repeat">
+      <a:schemeClr val="accent1">
+        <a:tint val="60000"/>
+      </a:schemeClr>
+    </dgm:fillClrLst>
+    <dgm:linClrLst meth="repeat">
+      <a:schemeClr val="accent1">
+        <a:tint val="60000"/>
+      </a:schemeClr>
+    </dgm:linClrLst>
+    <dgm:effectClrLst/>
+    <dgm:txLinClrLst/>
+    <dgm:txFillClrLst meth="repeat">
+      <a:schemeClr val="lt1"/>
+    </dgm:txFillClrLst>
+    <dgm:txEffectClrLst/>
+  </dgm:styleLbl>
+  <dgm:styleLbl name="parChTrans2D2">
+    <dgm:fillClrLst meth="repeat">
+      <a:schemeClr val="accent1"/>
+    </dgm:fillClrLst>
+    <dgm:linClrLst meth="repeat">
+      <a:schemeClr val="accent1"/>
+    </dgm:linClrLst>
+    <dgm:effectClrLst/>
+    <dgm:txLinClrLst/>
+    <dgm:txFillClrLst meth="repeat">
+      <a:schemeClr val="lt1"/>
+    </dgm:txFillClrLst>
+    <dgm:txEffectClrLst/>
+  </dgm:styleLbl>
+  <dgm:styleLbl name="parChTrans2D3">
+    <dgm:fillClrLst meth="repeat">
+      <a:schemeClr val="accent1"/>
+    </dgm:fillClrLst>
+    <dgm:linClrLst meth="repeat">
+      <a:schemeClr val="accent1"/>
+    </dgm:linClrLst>
+    <dgm:effectClrLst/>
+    <dgm:txLinClrLst/>
+    <dgm:txFillClrLst meth="repeat">
+      <a:schemeClr val="lt1"/>
+    </dgm:txFillClrLst>
+    <dgm:txEffectClrLst/>
+  </dgm:styleLbl>
+  <dgm:styleLbl name="parChTrans2D4">
+    <dgm:fillClrLst meth="repeat">
+      <a:schemeClr val="accent1"/>
+    </dgm:fillClrLst>
+    <dgm:linClrLst meth="repeat">
+      <a:schemeClr val="accent1"/>
+    </dgm:linClrLst>
+    <dgm:effectClrLst/>
+    <dgm:txLinClrLst/>
+    <dgm:txFillClrLst meth="repeat">
+      <a:schemeClr val="lt1"/>
+    </dgm:txFillClrLst>
+    <dgm:txEffectClrLst/>
+  </dgm:styleLbl>
+  <dgm:styleLbl name="parChTrans1D1">
+    <dgm:fillClrLst meth="repeat">
+      <a:schemeClr val="accent1"/>
+    </dgm:fillClrLst>
+    <dgm:linClrLst meth="repeat">
+      <a:schemeClr val="accent1">
+        <a:shade val="60000"/>
+      </a:schemeClr>
+    </dgm:linClrLst>
+    <dgm:effectClrLst/>
+    <dgm:txLinClrLst/>
+    <dgm:txFillClrLst meth="repeat">
+      <a:schemeClr val="tx1"/>
+    </dgm:txFillClrLst>
+    <dgm:txEffectClrLst/>
+  </dgm:styleLbl>
+  <dgm:styleLbl name="parChTrans1D2">
+    <dgm:fillClrLst meth="repeat">
+      <a:schemeClr val="accent1"/>
+    </dgm:fillClrLst>
+    <dgm:linClrLst meth="repeat">
+      <a:schemeClr val="accent1">
+        <a:shade val="60000"/>
+      </a:schemeClr>
+    </dgm:linClrLst>
+    <dgm:effectClrLst/>
+    <dgm:txLinClrLst/>
+    <dgm:txFillClrLst meth="repeat">
+      <a:schemeClr val="tx1"/>
+    </dgm:txFillClrLst>
+    <dgm:txEffectClrLst/>
+  </dgm:styleLbl>
+  <dgm:styleLbl name="parChTrans1D3">
+    <dgm:fillClrLst meth="repeat">
+      <a:schemeClr val="accent1"/>
+    </dgm:fillClrLst>
+    <dgm:linClrLst meth="repeat">
+      <a:schemeClr val="accent1">
+        <a:shade val="80000"/>
+      </a:schemeClr>
+    </dgm:linClrLst>
+    <dgm:effectClrLst/>
+    <dgm:txLinClrLst/>
+    <dgm:txFillClrLst meth="repeat">
+      <a:schemeClr val="tx1"/>
+    </dgm:txFillClrLst>
+    <dgm:txEffectClrLst/>
+  </dgm:styleLbl>
+  <dgm:styleLbl name="parChTrans1D4">
+    <dgm:fillClrLst meth="repeat">
+      <a:schemeClr val="accent1"/>
+    </dgm:fillClrLst>
+    <dgm:linClrLst meth="repeat">
+      <a:schemeClr val="accent1">
+        <a:shade val="80000"/>
+      </a:schemeClr>
+    </dgm:linClrLst>
+    <dgm:effectClrLst/>
+    <dgm:txLinClrLst/>
+    <dgm:txFillClrLst meth="repeat">
+      <a:schemeClr val="tx1"/>
+    </dgm:txFillClrLst>
+    <dgm:txEffectClrLst/>
+  </dgm:styleLbl>
+  <dgm:styleLbl name="fgAcc1">
+    <dgm:fillClrLst meth="repeat">
+      <a:schemeClr val="lt1">
+        <a:alpha val="90000"/>
+      </a:schemeClr>
+    </dgm:fillClrLst>
+    <dgm:linClrLst meth="repeat">
+      <a:schemeClr val="accent1"/>
+    </dgm:linClrLst>
+    <dgm:effectClrLst/>
+    <dgm:txLinClrLst/>
+    <dgm:txFillClrLst meth="repeat">
+      <a:schemeClr val="dk1"/>
+    </dgm:txFillClrLst>
+    <dgm:txEffectClrLst/>
+  </dgm:styleLbl>
+  <dgm:styleLbl name="conFgAcc1">
+    <dgm:fillClrLst meth="repeat">
+      <a:schemeClr val="lt1">
+        <a:alpha val="90000"/>
+      </a:schemeClr>
+    </dgm:fillClrLst>
+    <dgm:linClrLst meth="repeat">
+      <a:schemeClr val="accent1"/>
+    </dgm:linClrLst>
+    <dgm:effectClrLst/>
+    <dgm:txLinClrLst/>
+    <dgm:txFillClrLst meth="repeat">
+      <a:schemeClr val="dk1"/>
+    </dgm:txFillClrLst>
+    <dgm:txEffectClrLst/>
+  </dgm:styleLbl>
+  <dgm:styleLbl name="alignAcc1">
+    <dgm:fillClrLst meth="repeat">
+      <a:schemeClr val="lt1">
+        <a:alpha val="90000"/>
+      </a:schemeClr>
+    </dgm:fillClrLst>
+    <dgm:linClrLst meth="repeat">
+      <a:schemeClr val="accent1"/>
+    </dgm:linClrLst>
+    <dgm:effectClrLst/>
+    <dgm:txLinClrLst/>
+    <dgm:txFillClrLst meth="repeat">
+      <a:schemeClr val="dk1"/>
+    </dgm:txFillClrLst>
+    <dgm:txEffectClrLst/>
+  </dgm:styleLbl>
+  <dgm:styleLbl name="trAlignAcc1">
+    <dgm:fillClrLst meth="repeat">
+      <a:schemeClr val="lt1">
+        <a:alpha val="40000"/>
+      </a:schemeClr>
+    </dgm:fillClrLst>
+    <dgm:linClrLst meth="repeat">
+      <a:schemeClr val="accent1"/>
+    </dgm:linClrLst>
+    <dgm:effectClrLst/>
+    <dgm:txLinClrLst/>
+    <dgm:txFillClrLst meth="repeat">
+      <a:schemeClr val="dk1"/>
+    </dgm:txFillClrLst>
+    <dgm:txEffectClrLst/>
+  </dgm:styleLbl>
+  <dgm:styleLbl name="bgAcc1">
+    <dgm:fillClrLst meth="repeat">
+      <a:schemeClr val="lt1">
+        <a:alpha val="90000"/>
+      </a:schemeClr>
+    </dgm:fillClrLst>
+    <dgm:linClrLst meth="repeat">
+      <a:schemeClr val="accent1"/>
+    </dgm:linClrLst>
+    <dgm:effectClrLst/>
+    <dgm:txLinClrLst/>
+    <dgm:txFillClrLst meth="repeat">
+      <a:schemeClr val="dk1"/>
+    </dgm:txFillClrLst>
+    <dgm:txEffectClrLst/>
+  </dgm:styleLbl>
+  <dgm:styleLbl name="solidFgAcc1">
+    <dgm:fillClrLst meth="repeat">
+      <a:schemeClr val="lt1"/>
+    </dgm:fillClrLst>
+    <dgm:linClrLst meth="repeat">
+      <a:schemeClr val="accent1"/>
+    </dgm:linClrLst>
+    <dgm:effectClrLst/>
+    <dgm:txLinClrLst/>
+    <dgm:txFillClrLst meth="repeat">
+      <a:schemeClr val="dk1"/>
+    </dgm:txFillClrLst>
+    <dgm:txEffectClrLst/>
+  </dgm:styleLbl>
+  <dgm:styleLbl name="solidAlignAcc1">
+    <dgm:fillClrLst meth="repeat">
+      <a:schemeClr val="lt1"/>
+    </dgm:fillClrLst>
+    <dgm:linClrLst meth="repeat">
+      <a:schemeClr val="accent1"/>
+    </dgm:linClrLst>
+    <dgm:effectClrLst/>
+    <dgm:txLinClrLst/>
+    <dgm:txFillClrLst meth="repeat">
+      <a:schemeClr val="dk1"/>
+    </dgm:txFillClrLst>
+    <dgm:txEffectClrLst/>
+  </dgm:styleLbl>
+  <dgm:styleLbl name="solidBgAcc1">
+    <dgm:fillClrLst meth="repeat">
+      <a:schemeClr val="lt1"/>
+    </dgm:fillClrLst>
+    <dgm:linClrLst meth="repeat">
+      <a:schemeClr val="accent1"/>
+    </dgm:linClrLst>
+    <dgm:effectClrLst/>
+    <dgm:txLinClrLst/>
+    <dgm:txFillClrLst meth="repeat">
+      <a:schemeClr val="dk1"/>
+    </dgm:txFillClrLst>
+    <dgm:txEffectClrLst/>
+  </dgm:styleLbl>
+  <dgm:styleLbl name="fgAccFollowNode1">
+    <dgm:fillClrLst meth="repeat">
+      <a:schemeClr val="accent1">
+        <a:alpha val="90000"/>
+        <a:tint val="40000"/>
+      </a:schemeClr>
+    </dgm:fillClrLst>
+    <dgm:linClrLst meth="repeat">
+      <a:schemeClr val="accent1">
+        <a:alpha val="90000"/>
+        <a:tint val="40000"/>
+      </a:schemeClr>
+    </dgm:linClrLst>
+    <dgm:effectClrLst/>
+    <dgm:txLinClrLst/>
+    <dgm:txFillClrLst meth="repeat">
+      <a:schemeClr val="dk1"/>
+    </dgm:txFillClrLst>
+    <dgm:txEffectClrLst/>
+  </dgm:styleLbl>
+  <dgm:styleLbl name="alignAccFollowNode1">
+    <dgm:fillClrLst meth="repeat">
+      <a:schemeClr val="accent1">
+        <a:alpha val="90000"/>
+        <a:tint val="40000"/>
+      </a:schemeClr>
+    </dgm:fillClrLst>
+    <dgm:linClrLst meth="repeat">
+      <a:schemeClr val="accent1">
+        <a:alpha val="90000"/>
+        <a:tint val="40000"/>
+      </a:schemeClr>
+    </dgm:linClrLst>
+    <dgm:effectClrLst/>
+    <dgm:txLinClrLst/>
+    <dgm:txFillClrLst meth="repeat">
+      <a:schemeClr val="dk1"/>
+    </dgm:txFillClrLst>
+    <dgm:txEffectClrLst/>
+  </dgm:styleLbl>
+  <dgm:styleLbl name="bgAccFollowNode1">
+    <dgm:fillClrLst meth="repeat">
+      <a:schemeClr val="accent1">
+        <a:alpha val="90000"/>
+        <a:tint val="40000"/>
+      </a:schemeClr>
+    </dgm:fillClrLst>
+    <dgm:linClrLst meth="repeat">
+      <a:schemeClr val="accent1">
+        <a:alpha val="90000"/>
+        <a:tint val="40000"/>
+      </a:schemeClr>
+    </dgm:linClrLst>
+    <dgm:effectClrLst/>
+    <dgm:txLinClrLst/>
+    <dgm:txFillClrLst meth="repeat">
+      <a:schemeClr val="dk1"/>
+    </dgm:txFillClrLst>
+    <dgm:txEffectClrLst/>
+  </dgm:styleLbl>
+  <dgm:styleLbl name="fgAcc0">
+    <dgm:fillClrLst meth="repeat">
+      <a:schemeClr val="lt1">
+        <a:alpha val="90000"/>
+      </a:schemeClr>
+    </dgm:fillClrLst>
+    <dgm:linClrLst meth="repeat">
+      <a:schemeClr val="accent1"/>
+    </dgm:linClrLst>
+    <dgm:effectClrLst/>
+    <dgm:txLinClrLst/>
+    <dgm:txFillClrLst meth="repeat">
+      <a:schemeClr val="dk1"/>
+    </dgm:txFillClrLst>
+    <dgm:txEffectClrLst/>
+  </dgm:styleLbl>
+  <dgm:styleLbl name="fgAcc2">
+    <dgm:fillClrLst meth="repeat">
+      <a:schemeClr val="lt1">
+        <a:alpha val="90000"/>
+      </a:schemeClr>
+    </dgm:fillClrLst>
+    <dgm:linClrLst meth="repeat">
+      <a:schemeClr val="accent1"/>
+    </dgm:linClrLst>
+    <dgm:effectClrLst/>
+    <dgm:txLinClrLst/>
+    <dgm:txFillClrLst meth="repeat">
+      <a:schemeClr val="dk1"/>
+    </dgm:txFillClrLst>
+    <dgm:txEffectClrLst/>
+  </dgm:styleLbl>
+  <dgm:styleLbl name="fgAcc3">
+    <dgm:fillClrLst meth="repeat">
+      <a:schemeClr val="lt1">
+        <a:alpha val="90000"/>
+      </a:schemeClr>
+    </dgm:fillClrLst>
+    <dgm:linClrLst meth="repeat">
+      <a:schemeClr val="accent1"/>
+    </dgm:linClrLst>
+    <dgm:effectClrLst/>
+    <dgm:txLinClrLst/>
+    <dgm:txFillClrLst meth="repeat">
+      <a:schemeClr val="dk1"/>
+    </dgm:txFillClrLst>
+    <dgm:txEffectClrLst/>
+  </dgm:styleLbl>
+  <dgm:styleLbl name="fgAcc4">
+    <dgm:fillClrLst meth="repeat">
+      <a:schemeClr val="lt1">
+        <a:alpha val="90000"/>
+      </a:schemeClr>
+    </dgm:fillClrLst>
+    <dgm:linClrLst meth="repeat">
+      <a:schemeClr val="accent1"/>
+    </dgm:linClrLst>
+    <dgm:effectClrLst/>
+    <dgm:txLinClrLst/>
+    <dgm:txFillClrLst meth="repeat">
+      <a:schemeClr val="dk1"/>
+    </dgm:txFillClrLst>
+    <dgm:txEffectClrLst/>
+  </dgm:styleLbl>
+  <dgm:styleLbl name="bgShp">
+    <dgm:fillClrLst meth="repeat">
+      <a:schemeClr val="accent1">
+        <a:tint val="40000"/>
+      </a:schemeClr>
+    </dgm:fillClrLst>
+    <dgm:linClrLst meth="repeat">
+      <a:schemeClr val="accent1"/>
+    </dgm:linClrLst>
+    <dgm:effectClrLst/>
+    <dgm:txLinClrLst/>
+    <dgm:txFillClrLst meth="repeat">
+      <a:schemeClr val="dk1"/>
+    </dgm:txFillClrLst>
+    <dgm:txEffectClrLst/>
+  </dgm:styleLbl>
+  <dgm:styleLbl name="dkBgShp">
+    <dgm:fillClrLst meth="repeat">
+      <a:schemeClr val="accent1">
+        <a:shade val="80000"/>
+      </a:schemeClr>
+    </dgm:fillClrLst>
+    <dgm:linClrLst meth="repeat">
+      <a:schemeClr val="accent1"/>
+    </dgm:linClrLst>
+    <dgm:effectClrLst/>
+    <dgm:txLinClrLst/>
+    <dgm:txFillClrLst meth="repeat">
+      <a:schemeClr val="lt1"/>
+    </dgm:txFillClrLst>
+    <dgm:txEffectClrLst/>
+  </dgm:styleLbl>
+  <dgm:styleLbl name="trBgShp">
+    <dgm:fillClrLst meth="repeat">
+      <a:schemeClr val="accent1">
+        <a:tint val="50000"/>
+        <a:alpha val="40000"/>
+      </a:schemeClr>
+    </dgm:fillClrLst>
+    <dgm:linClrLst meth="repeat">
+      <a:schemeClr val="accent1"/>
+    </dgm:linClrLst>
+    <dgm:effectClrLst/>
+    <dgm:txLinClrLst/>
+    <dgm:txFillClrLst meth="repeat">
+      <a:schemeClr val="lt1"/>
+    </dgm:txFillClrLst>
+    <dgm:txEffectClrLst/>
+  </dgm:styleLbl>
+  <dgm:styleLbl name="fgShp">
+    <dgm:fillClrLst meth="repeat">
+      <a:schemeClr val="accent1">
+        <a:tint val="60000"/>
+      </a:schemeClr>
+    </dgm:fillClrLst>
+    <dgm:linClrLst meth="repeat">
+      <a:schemeClr val="lt1"/>
+    </dgm:linClrLst>
+    <dgm:effectClrLst/>
+    <dgm:txLinClrLst/>
+    <dgm:txFillClrLst meth="repeat">
+      <a:schemeClr val="dk1"/>
+    </dgm:txFillClrLst>
+    <dgm:txEffectClrLst/>
+  </dgm:styleLbl>
+  <dgm:styleLbl name="revTx">
+    <dgm:fillClrLst meth="repeat">
+      <a:schemeClr val="lt1">
+        <a:alpha val="0"/>
+      </a:schemeClr>
+    </dgm:fillClrLst>
+    <dgm:linClrLst meth="repeat">
+      <a:schemeClr val="dk1">
+        <a:alpha val="0"/>
+      </a:schemeClr>
+    </dgm:linClrLst>
+    <dgm:effectClrLst/>
+    <dgm:txLinClrLst/>
+    <dgm:txFillClrLst meth="repeat">
+      <a:schemeClr val="tx1"/>
+    </dgm:txFillClrLst>
+    <dgm:txEffectClrLst/>
+  </dgm:styleLbl>
+</dgm:colorsDef>
+</file>
+
+<file path=ppt/diagrams/colors6.xml><?xml version="1.0" encoding="utf-8"?>
 <dgm:colorsDef xmlns:dgm="http://schemas.openxmlformats.org/drawingml/2006/diagram" xmlns:a="http://schemas.openxmlformats.org/drawingml/2006/main" uniqueId="urn:microsoft.com/office/officeart/2018/5/colors/Iconchunking_neutralbg_colorful1">
   <dgm:title val=""/>
   <dgm:desc val=""/>
@@ -6145,6 +6893,180 @@
 </file>
 
 <file path=ppt/diagrams/data5.xml><?xml version="1.0" encoding="utf-8"?>
+<dgm:dataModel xmlns:dgm="http://schemas.openxmlformats.org/drawingml/2006/diagram" xmlns:a="http://schemas.openxmlformats.org/drawingml/2006/main">
+  <dgm:ptLst>
+    <dgm:pt modelId="{4F5D4B93-19AD-4212-8537-FDC3BAA34DC6}" type="doc">
+      <dgm:prSet loTypeId="urn:microsoft.com/office/officeart/2005/8/layout/hierarchy1" loCatId="hierarchy" qsTypeId="urn:microsoft.com/office/officeart/2005/8/quickstyle/simple4" qsCatId="simple" csTypeId="urn:microsoft.com/office/officeart/2005/8/colors/accent1_2" csCatId="accent1"/>
+      <dgm:spPr/>
+      <dgm:t>
+        <a:bodyPr/>
+        <a:lstStyle/>
+        <a:p>
+          <a:endParaRPr lang="en-US"/>
+        </a:p>
+      </dgm:t>
+    </dgm:pt>
+    <dgm:pt modelId="{0CF1D91C-A712-4079-A33A-AAC89873105A}">
+      <dgm:prSet/>
+      <dgm:spPr/>
+      <dgm:t>
+        <a:bodyPr/>
+        <a:lstStyle/>
+        <a:p>
+          <a:r>
+            <a:rPr lang="en-US"/>
+            <a:t>Added 1000 more data samples</a:t>
+          </a:r>
+        </a:p>
+      </dgm:t>
+    </dgm:pt>
+    <dgm:pt modelId="{6E8A549B-23C3-4667-867B-CACD2D53BD28}" type="parTrans" cxnId="{A95677DD-BFE3-4737-85F3-4668A0D350D8}">
+      <dgm:prSet/>
+      <dgm:spPr/>
+      <dgm:t>
+        <a:bodyPr/>
+        <a:lstStyle/>
+        <a:p>
+          <a:endParaRPr lang="en-US"/>
+        </a:p>
+      </dgm:t>
+    </dgm:pt>
+    <dgm:pt modelId="{CC978A8D-E644-4BD7-91D3-168C7FE83D3A}" type="sibTrans" cxnId="{A95677DD-BFE3-4737-85F3-4668A0D350D8}">
+      <dgm:prSet/>
+      <dgm:spPr/>
+      <dgm:t>
+        <a:bodyPr/>
+        <a:lstStyle/>
+        <a:p>
+          <a:endParaRPr lang="en-US"/>
+        </a:p>
+      </dgm:t>
+    </dgm:pt>
+    <dgm:pt modelId="{F01F7D43-066E-4933-BCF3-7AD937BEAC0F}">
+      <dgm:prSet/>
+      <dgm:spPr/>
+      <dgm:t>
+        <a:bodyPr/>
+        <a:lstStyle/>
+        <a:p>
+          <a:r>
+            <a:rPr lang="en-US"/>
+            <a:t>Multicollinearity stayed even after combining variables now</a:t>
+          </a:r>
+        </a:p>
+      </dgm:t>
+    </dgm:pt>
+    <dgm:pt modelId="{563EB9D8-F898-4A5E-96A5-CAA86066894F}" type="parTrans" cxnId="{A259E37E-5394-4C06-B983-A8B0CD1AC3AE}">
+      <dgm:prSet/>
+      <dgm:spPr/>
+      <dgm:t>
+        <a:bodyPr/>
+        <a:lstStyle/>
+        <a:p>
+          <a:endParaRPr lang="en-US"/>
+        </a:p>
+      </dgm:t>
+    </dgm:pt>
+    <dgm:pt modelId="{A6604DD2-E89A-4AB4-9899-C976E0B8DA2F}" type="sibTrans" cxnId="{A259E37E-5394-4C06-B983-A8B0CD1AC3AE}">
+      <dgm:prSet/>
+      <dgm:spPr/>
+      <dgm:t>
+        <a:bodyPr/>
+        <a:lstStyle/>
+        <a:p>
+          <a:endParaRPr lang="en-US"/>
+        </a:p>
+      </dgm:t>
+    </dgm:pt>
+    <dgm:pt modelId="{0948DA4A-4110-4C6A-B1FD-5485C5DA410A}" type="pres">
+      <dgm:prSet presAssocID="{4F5D4B93-19AD-4212-8537-FDC3BAA34DC6}" presName="hierChild1" presStyleCnt="0">
+        <dgm:presLayoutVars>
+          <dgm:chPref val="1"/>
+          <dgm:dir/>
+          <dgm:animOne val="branch"/>
+          <dgm:animLvl val="lvl"/>
+          <dgm:resizeHandles/>
+        </dgm:presLayoutVars>
+      </dgm:prSet>
+      <dgm:spPr/>
+    </dgm:pt>
+    <dgm:pt modelId="{190D6CA9-C504-4B88-B067-3948B7059D3F}" type="pres">
+      <dgm:prSet presAssocID="{0CF1D91C-A712-4079-A33A-AAC89873105A}" presName="hierRoot1" presStyleCnt="0"/>
+      <dgm:spPr/>
+    </dgm:pt>
+    <dgm:pt modelId="{87D855F8-4B6B-438E-A53F-17548AAAD177}" type="pres">
+      <dgm:prSet presAssocID="{0CF1D91C-A712-4079-A33A-AAC89873105A}" presName="composite" presStyleCnt="0"/>
+      <dgm:spPr/>
+    </dgm:pt>
+    <dgm:pt modelId="{3FAB01C8-FC49-46E6-96EC-5F6D87B71BC6}" type="pres">
+      <dgm:prSet presAssocID="{0CF1D91C-A712-4079-A33A-AAC89873105A}" presName="background" presStyleLbl="node0" presStyleIdx="0" presStyleCnt="2"/>
+      <dgm:spPr/>
+    </dgm:pt>
+    <dgm:pt modelId="{D954D772-7703-4389-BA79-61BC70DFC823}" type="pres">
+      <dgm:prSet presAssocID="{0CF1D91C-A712-4079-A33A-AAC89873105A}" presName="text" presStyleLbl="fgAcc0" presStyleIdx="0" presStyleCnt="2">
+        <dgm:presLayoutVars>
+          <dgm:chPref val="3"/>
+        </dgm:presLayoutVars>
+      </dgm:prSet>
+      <dgm:spPr/>
+    </dgm:pt>
+    <dgm:pt modelId="{E6FBAF97-E80A-4C16-9688-DE691A64C969}" type="pres">
+      <dgm:prSet presAssocID="{0CF1D91C-A712-4079-A33A-AAC89873105A}" presName="hierChild2" presStyleCnt="0"/>
+      <dgm:spPr/>
+    </dgm:pt>
+    <dgm:pt modelId="{F7F2429B-498E-4684-8894-EA0A906B428A}" type="pres">
+      <dgm:prSet presAssocID="{F01F7D43-066E-4933-BCF3-7AD937BEAC0F}" presName="hierRoot1" presStyleCnt="0"/>
+      <dgm:spPr/>
+    </dgm:pt>
+    <dgm:pt modelId="{D5E93FEA-677F-4DDA-8658-202C0A7EC797}" type="pres">
+      <dgm:prSet presAssocID="{F01F7D43-066E-4933-BCF3-7AD937BEAC0F}" presName="composite" presStyleCnt="0"/>
+      <dgm:spPr/>
+    </dgm:pt>
+    <dgm:pt modelId="{08C6AE4C-86F5-4800-8E5E-0959696C1CD6}" type="pres">
+      <dgm:prSet presAssocID="{F01F7D43-066E-4933-BCF3-7AD937BEAC0F}" presName="background" presStyleLbl="node0" presStyleIdx="1" presStyleCnt="2"/>
+      <dgm:spPr/>
+    </dgm:pt>
+    <dgm:pt modelId="{854DBBAB-AF65-49D1-B13A-489CC4B33CCE}" type="pres">
+      <dgm:prSet presAssocID="{F01F7D43-066E-4933-BCF3-7AD937BEAC0F}" presName="text" presStyleLbl="fgAcc0" presStyleIdx="1" presStyleCnt="2">
+        <dgm:presLayoutVars>
+          <dgm:chPref val="3"/>
+        </dgm:presLayoutVars>
+      </dgm:prSet>
+      <dgm:spPr/>
+    </dgm:pt>
+    <dgm:pt modelId="{DE6EE803-494A-4E7A-AA75-24CD0E8C9C9F}" type="pres">
+      <dgm:prSet presAssocID="{F01F7D43-066E-4933-BCF3-7AD937BEAC0F}" presName="hierChild2" presStyleCnt="0"/>
+      <dgm:spPr/>
+    </dgm:pt>
+  </dgm:ptLst>
+  <dgm:cxnLst>
+    <dgm:cxn modelId="{FEFC393A-F138-405A-AA9A-EABEAC3287D1}" type="presOf" srcId="{F01F7D43-066E-4933-BCF3-7AD937BEAC0F}" destId="{854DBBAB-AF65-49D1-B13A-489CC4B33CCE}" srcOrd="0" destOrd="0" presId="urn:microsoft.com/office/officeart/2005/8/layout/hierarchy1"/>
+    <dgm:cxn modelId="{5C69D644-019E-428E-A4AE-11DDDE4FB0EB}" type="presOf" srcId="{0CF1D91C-A712-4079-A33A-AAC89873105A}" destId="{D954D772-7703-4389-BA79-61BC70DFC823}" srcOrd="0" destOrd="0" presId="urn:microsoft.com/office/officeart/2005/8/layout/hierarchy1"/>
+    <dgm:cxn modelId="{A259E37E-5394-4C06-B983-A8B0CD1AC3AE}" srcId="{4F5D4B93-19AD-4212-8537-FDC3BAA34DC6}" destId="{F01F7D43-066E-4933-BCF3-7AD937BEAC0F}" srcOrd="1" destOrd="0" parTransId="{563EB9D8-F898-4A5E-96A5-CAA86066894F}" sibTransId="{A6604DD2-E89A-4AB4-9899-C976E0B8DA2F}"/>
+    <dgm:cxn modelId="{4B374199-EB18-44F7-82E7-AEB39D4B918A}" type="presOf" srcId="{4F5D4B93-19AD-4212-8537-FDC3BAA34DC6}" destId="{0948DA4A-4110-4C6A-B1FD-5485C5DA410A}" srcOrd="0" destOrd="0" presId="urn:microsoft.com/office/officeart/2005/8/layout/hierarchy1"/>
+    <dgm:cxn modelId="{A95677DD-BFE3-4737-85F3-4668A0D350D8}" srcId="{4F5D4B93-19AD-4212-8537-FDC3BAA34DC6}" destId="{0CF1D91C-A712-4079-A33A-AAC89873105A}" srcOrd="0" destOrd="0" parTransId="{6E8A549B-23C3-4667-867B-CACD2D53BD28}" sibTransId="{CC978A8D-E644-4BD7-91D3-168C7FE83D3A}"/>
+    <dgm:cxn modelId="{AE4AD9C0-E872-4FA9-A1BC-AA3916410714}" type="presParOf" srcId="{0948DA4A-4110-4C6A-B1FD-5485C5DA410A}" destId="{190D6CA9-C504-4B88-B067-3948B7059D3F}" srcOrd="0" destOrd="0" presId="urn:microsoft.com/office/officeart/2005/8/layout/hierarchy1"/>
+    <dgm:cxn modelId="{FF2C7738-929F-43AC-8FFC-268CAE4A445E}" type="presParOf" srcId="{190D6CA9-C504-4B88-B067-3948B7059D3F}" destId="{87D855F8-4B6B-438E-A53F-17548AAAD177}" srcOrd="0" destOrd="0" presId="urn:microsoft.com/office/officeart/2005/8/layout/hierarchy1"/>
+    <dgm:cxn modelId="{A219C91A-7B10-45DE-948D-BCE8556C3158}" type="presParOf" srcId="{87D855F8-4B6B-438E-A53F-17548AAAD177}" destId="{3FAB01C8-FC49-46E6-96EC-5F6D87B71BC6}" srcOrd="0" destOrd="0" presId="urn:microsoft.com/office/officeart/2005/8/layout/hierarchy1"/>
+    <dgm:cxn modelId="{3B73F2D0-41F0-441E-B814-803F56B9DE9B}" type="presParOf" srcId="{87D855F8-4B6B-438E-A53F-17548AAAD177}" destId="{D954D772-7703-4389-BA79-61BC70DFC823}" srcOrd="1" destOrd="0" presId="urn:microsoft.com/office/officeart/2005/8/layout/hierarchy1"/>
+    <dgm:cxn modelId="{AA373C78-855C-4329-A629-BCDD856F3C87}" type="presParOf" srcId="{190D6CA9-C504-4B88-B067-3948B7059D3F}" destId="{E6FBAF97-E80A-4C16-9688-DE691A64C969}" srcOrd="1" destOrd="0" presId="urn:microsoft.com/office/officeart/2005/8/layout/hierarchy1"/>
+    <dgm:cxn modelId="{5450A30A-2261-4125-B427-EE6F9835CFD2}" type="presParOf" srcId="{0948DA4A-4110-4C6A-B1FD-5485C5DA410A}" destId="{F7F2429B-498E-4684-8894-EA0A906B428A}" srcOrd="1" destOrd="0" presId="urn:microsoft.com/office/officeart/2005/8/layout/hierarchy1"/>
+    <dgm:cxn modelId="{CD08C5F0-6849-4DC3-A45C-EFC5325FF84F}" type="presParOf" srcId="{F7F2429B-498E-4684-8894-EA0A906B428A}" destId="{D5E93FEA-677F-4DDA-8658-202C0A7EC797}" srcOrd="0" destOrd="0" presId="urn:microsoft.com/office/officeart/2005/8/layout/hierarchy1"/>
+    <dgm:cxn modelId="{C8995839-53E0-4E57-A5E0-BAC96A922E9B}" type="presParOf" srcId="{D5E93FEA-677F-4DDA-8658-202C0A7EC797}" destId="{08C6AE4C-86F5-4800-8E5E-0959696C1CD6}" srcOrd="0" destOrd="0" presId="urn:microsoft.com/office/officeart/2005/8/layout/hierarchy1"/>
+    <dgm:cxn modelId="{438202B0-E521-485C-8AFB-5616B48C65FD}" type="presParOf" srcId="{D5E93FEA-677F-4DDA-8658-202C0A7EC797}" destId="{854DBBAB-AF65-49D1-B13A-489CC4B33CCE}" srcOrd="1" destOrd="0" presId="urn:microsoft.com/office/officeart/2005/8/layout/hierarchy1"/>
+    <dgm:cxn modelId="{9E555F34-5B3A-494A-88BF-43F3397618E6}" type="presParOf" srcId="{F7F2429B-498E-4684-8894-EA0A906B428A}" destId="{DE6EE803-494A-4E7A-AA75-24CD0E8C9C9F}" srcOrd="1" destOrd="0" presId="urn:microsoft.com/office/officeart/2005/8/layout/hierarchy1"/>
+  </dgm:cxnLst>
+  <dgm:bg/>
+  <dgm:whole/>
+  <dgm:extLst>
+    <a:ext uri="http://schemas.microsoft.com/office/drawing/2008/diagram">
+      <dsp:dataModelExt xmlns:dsp="http://schemas.microsoft.com/office/drawing/2008/diagram" relId="rId6" minVer="http://schemas.openxmlformats.org/drawingml/2006/diagram"/>
+    </a:ext>
+  </dgm:extLst>
+</dgm:dataModel>
+</file>
+
+<file path=ppt/diagrams/data6.xml><?xml version="1.0" encoding="utf-8"?>
 <dgm:dataModel xmlns:dgm="http://schemas.openxmlformats.org/drawingml/2006/diagram" xmlns:a="http://schemas.openxmlformats.org/drawingml/2006/main">
   <dgm:ptLst>
     <dgm:pt modelId="{27075559-9820-4D40-84BC-D6632920FF60}" type="doc">
@@ -9733,6 +10655,320 @@
       <dsp:cNvGrpSpPr/>
     </dsp:nvGrpSpPr>
     <dsp:grpSpPr/>
+    <dsp:sp modelId="{3FAB01C8-FC49-46E6-96EC-5F6D87B71BC6}">
+      <dsp:nvSpPr>
+        <dsp:cNvPr id="0" name=""/>
+        <dsp:cNvSpPr/>
+      </dsp:nvSpPr>
+      <dsp:spPr>
+        <a:xfrm>
+          <a:off x="1172" y="138496"/>
+          <a:ext cx="4115155" cy="2613123"/>
+        </a:xfrm>
+        <a:prstGeom prst="roundRect">
+          <a:avLst>
+            <a:gd name="adj" fmla="val 10000"/>
+          </a:avLst>
+        </a:prstGeom>
+        <a:gradFill rotWithShape="0">
+          <a:gsLst>
+            <a:gs pos="0">
+              <a:schemeClr val="accent1">
+                <a:hueOff val="0"/>
+                <a:satOff val="0"/>
+                <a:lumOff val="0"/>
+                <a:alphaOff val="0"/>
+                <a:tint val="98000"/>
+                <a:satMod val="110000"/>
+                <a:lumMod val="104000"/>
+              </a:schemeClr>
+            </a:gs>
+            <a:gs pos="69000">
+              <a:schemeClr val="accent1">
+                <a:hueOff val="0"/>
+                <a:satOff val="0"/>
+                <a:lumOff val="0"/>
+                <a:alphaOff val="0"/>
+                <a:shade val="88000"/>
+                <a:satMod val="130000"/>
+                <a:lumMod val="92000"/>
+              </a:schemeClr>
+            </a:gs>
+            <a:gs pos="100000">
+              <a:schemeClr val="accent1">
+                <a:hueOff val="0"/>
+                <a:satOff val="0"/>
+                <a:lumOff val="0"/>
+                <a:alphaOff val="0"/>
+                <a:shade val="78000"/>
+                <a:satMod val="130000"/>
+                <a:lumMod val="92000"/>
+              </a:schemeClr>
+            </a:gs>
+          </a:gsLst>
+          <a:lin ang="5400000" scaled="0"/>
+        </a:gradFill>
+        <a:ln>
+          <a:noFill/>
+        </a:ln>
+        <a:effectLst/>
+      </dsp:spPr>
+      <dsp:style>
+        <a:lnRef idx="0">
+          <a:scrgbClr r="0" g="0" b="0"/>
+        </a:lnRef>
+        <a:fillRef idx="3">
+          <a:scrgbClr r="0" g="0" b="0"/>
+        </a:fillRef>
+        <a:effectRef idx="2">
+          <a:scrgbClr r="0" g="0" b="0"/>
+        </a:effectRef>
+        <a:fontRef idx="minor">
+          <a:schemeClr val="lt1"/>
+        </a:fontRef>
+      </dsp:style>
+    </dsp:sp>
+    <dsp:sp modelId="{D954D772-7703-4389-BA79-61BC70DFC823}">
+      <dsp:nvSpPr>
+        <dsp:cNvPr id="0" name=""/>
+        <dsp:cNvSpPr/>
+      </dsp:nvSpPr>
+      <dsp:spPr>
+        <a:xfrm>
+          <a:off x="458411" y="572873"/>
+          <a:ext cx="4115155" cy="2613123"/>
+        </a:xfrm>
+        <a:prstGeom prst="roundRect">
+          <a:avLst>
+            <a:gd name="adj" fmla="val 10000"/>
+          </a:avLst>
+        </a:prstGeom>
+        <a:solidFill>
+          <a:schemeClr val="lt1">
+            <a:alpha val="90000"/>
+            <a:hueOff val="0"/>
+            <a:satOff val="0"/>
+            <a:lumOff val="0"/>
+            <a:alphaOff val="0"/>
+          </a:schemeClr>
+        </a:solidFill>
+        <a:ln w="9525" cap="flat" cmpd="sng" algn="ctr">
+          <a:solidFill>
+            <a:schemeClr val="accent1">
+              <a:hueOff val="0"/>
+              <a:satOff val="0"/>
+              <a:lumOff val="0"/>
+              <a:alphaOff val="0"/>
+            </a:schemeClr>
+          </a:solidFill>
+          <a:prstDash val="solid"/>
+        </a:ln>
+        <a:effectLst/>
+      </dsp:spPr>
+      <dsp:style>
+        <a:lnRef idx="1">
+          <a:scrgbClr r="0" g="0" b="0"/>
+        </a:lnRef>
+        <a:fillRef idx="1">
+          <a:scrgbClr r="0" g="0" b="0"/>
+        </a:fillRef>
+        <a:effectRef idx="0">
+          <a:scrgbClr r="0" g="0" b="0"/>
+        </a:effectRef>
+        <a:fontRef idx="minor"/>
+      </dsp:style>
+      <dsp:txBody>
+        <a:bodyPr spcFirstLastPara="0" vert="horz" wrap="square" lIns="152400" tIns="152400" rIns="152400" bIns="152400" numCol="1" spcCol="1270" anchor="ctr" anchorCtr="0">
+          <a:noAutofit/>
+        </a:bodyPr>
+        <a:lstStyle/>
+        <a:p>
+          <a:pPr marL="0" lvl="0" indent="0" algn="ctr" defTabSz="1778000">
+            <a:lnSpc>
+              <a:spcPct val="90000"/>
+            </a:lnSpc>
+            <a:spcBef>
+              <a:spcPct val="0"/>
+            </a:spcBef>
+            <a:spcAft>
+              <a:spcPct val="35000"/>
+            </a:spcAft>
+            <a:buNone/>
+          </a:pPr>
+          <a:r>
+            <a:rPr lang="en-US" sz="4000" kern="1200"/>
+            <a:t>Added 1000 more data samples</a:t>
+          </a:r>
+        </a:p>
+      </dsp:txBody>
+      <dsp:txXfrm>
+        <a:off x="534947" y="649409"/>
+        <a:ext cx="3962083" cy="2460051"/>
+      </dsp:txXfrm>
+    </dsp:sp>
+    <dsp:sp modelId="{08C6AE4C-86F5-4800-8E5E-0959696C1CD6}">
+      <dsp:nvSpPr>
+        <dsp:cNvPr id="0" name=""/>
+        <dsp:cNvSpPr/>
+      </dsp:nvSpPr>
+      <dsp:spPr>
+        <a:xfrm>
+          <a:off x="5030807" y="138496"/>
+          <a:ext cx="4115155" cy="2613123"/>
+        </a:xfrm>
+        <a:prstGeom prst="roundRect">
+          <a:avLst>
+            <a:gd name="adj" fmla="val 10000"/>
+          </a:avLst>
+        </a:prstGeom>
+        <a:gradFill rotWithShape="0">
+          <a:gsLst>
+            <a:gs pos="0">
+              <a:schemeClr val="accent1">
+                <a:hueOff val="0"/>
+                <a:satOff val="0"/>
+                <a:lumOff val="0"/>
+                <a:alphaOff val="0"/>
+                <a:tint val="98000"/>
+                <a:satMod val="110000"/>
+                <a:lumMod val="104000"/>
+              </a:schemeClr>
+            </a:gs>
+            <a:gs pos="69000">
+              <a:schemeClr val="accent1">
+                <a:hueOff val="0"/>
+                <a:satOff val="0"/>
+                <a:lumOff val="0"/>
+                <a:alphaOff val="0"/>
+                <a:shade val="88000"/>
+                <a:satMod val="130000"/>
+                <a:lumMod val="92000"/>
+              </a:schemeClr>
+            </a:gs>
+            <a:gs pos="100000">
+              <a:schemeClr val="accent1">
+                <a:hueOff val="0"/>
+                <a:satOff val="0"/>
+                <a:lumOff val="0"/>
+                <a:alphaOff val="0"/>
+                <a:shade val="78000"/>
+                <a:satMod val="130000"/>
+                <a:lumMod val="92000"/>
+              </a:schemeClr>
+            </a:gs>
+          </a:gsLst>
+          <a:lin ang="5400000" scaled="0"/>
+        </a:gradFill>
+        <a:ln>
+          <a:noFill/>
+        </a:ln>
+        <a:effectLst/>
+      </dsp:spPr>
+      <dsp:style>
+        <a:lnRef idx="0">
+          <a:scrgbClr r="0" g="0" b="0"/>
+        </a:lnRef>
+        <a:fillRef idx="3">
+          <a:scrgbClr r="0" g="0" b="0"/>
+        </a:fillRef>
+        <a:effectRef idx="2">
+          <a:scrgbClr r="0" g="0" b="0"/>
+        </a:effectRef>
+        <a:fontRef idx="minor">
+          <a:schemeClr val="lt1"/>
+        </a:fontRef>
+      </dsp:style>
+    </dsp:sp>
+    <dsp:sp modelId="{854DBBAB-AF65-49D1-B13A-489CC4B33CCE}">
+      <dsp:nvSpPr>
+        <dsp:cNvPr id="0" name=""/>
+        <dsp:cNvSpPr/>
+      </dsp:nvSpPr>
+      <dsp:spPr>
+        <a:xfrm>
+          <a:off x="5488046" y="572873"/>
+          <a:ext cx="4115155" cy="2613123"/>
+        </a:xfrm>
+        <a:prstGeom prst="roundRect">
+          <a:avLst>
+            <a:gd name="adj" fmla="val 10000"/>
+          </a:avLst>
+        </a:prstGeom>
+        <a:solidFill>
+          <a:schemeClr val="lt1">
+            <a:alpha val="90000"/>
+            <a:hueOff val="0"/>
+            <a:satOff val="0"/>
+            <a:lumOff val="0"/>
+            <a:alphaOff val="0"/>
+          </a:schemeClr>
+        </a:solidFill>
+        <a:ln w="9525" cap="flat" cmpd="sng" algn="ctr">
+          <a:solidFill>
+            <a:schemeClr val="accent1">
+              <a:hueOff val="0"/>
+              <a:satOff val="0"/>
+              <a:lumOff val="0"/>
+              <a:alphaOff val="0"/>
+            </a:schemeClr>
+          </a:solidFill>
+          <a:prstDash val="solid"/>
+        </a:ln>
+        <a:effectLst/>
+      </dsp:spPr>
+      <dsp:style>
+        <a:lnRef idx="1">
+          <a:scrgbClr r="0" g="0" b="0"/>
+        </a:lnRef>
+        <a:fillRef idx="1">
+          <a:scrgbClr r="0" g="0" b="0"/>
+        </a:fillRef>
+        <a:effectRef idx="0">
+          <a:scrgbClr r="0" g="0" b="0"/>
+        </a:effectRef>
+        <a:fontRef idx="minor"/>
+      </dsp:style>
+      <dsp:txBody>
+        <a:bodyPr spcFirstLastPara="0" vert="horz" wrap="square" lIns="152400" tIns="152400" rIns="152400" bIns="152400" numCol="1" spcCol="1270" anchor="ctr" anchorCtr="0">
+          <a:noAutofit/>
+        </a:bodyPr>
+        <a:lstStyle/>
+        <a:p>
+          <a:pPr marL="0" lvl="0" indent="0" algn="ctr" defTabSz="1778000">
+            <a:lnSpc>
+              <a:spcPct val="90000"/>
+            </a:lnSpc>
+            <a:spcBef>
+              <a:spcPct val="0"/>
+            </a:spcBef>
+            <a:spcAft>
+              <a:spcPct val="35000"/>
+            </a:spcAft>
+            <a:buNone/>
+          </a:pPr>
+          <a:r>
+            <a:rPr lang="en-US" sz="4000" kern="1200"/>
+            <a:t>Multicollinearity stayed even after combining variables now</a:t>
+          </a:r>
+        </a:p>
+      </dsp:txBody>
+      <dsp:txXfrm>
+        <a:off x="5564582" y="649409"/>
+        <a:ext cx="3962083" cy="2460051"/>
+      </dsp:txXfrm>
+    </dsp:sp>
+  </dsp:spTree>
+</dsp:drawing>
+</file>
+
+<file path=ppt/diagrams/drawing6.xml><?xml version="1.0" encoding="utf-8"?>
+<dsp:drawing xmlns:dgm="http://schemas.openxmlformats.org/drawingml/2006/diagram" xmlns:dsp="http://schemas.microsoft.com/office/drawing/2008/diagram" xmlns:a="http://schemas.openxmlformats.org/drawingml/2006/main">
+  <dsp:spTree>
+    <dsp:nvGrpSpPr>
+      <dsp:cNvPr id="0" name=""/>
+      <dsp:cNvGrpSpPr/>
+    </dsp:nvGrpSpPr>
+    <dsp:grpSpPr/>
     <dsp:sp modelId="{D9B1B038-0CD0-493E-BA57-1EC35BB27F28}">
       <dsp:nvSpPr>
         <dsp:cNvPr id="0" name=""/>
@@ -11327,6 +12563,569 @@
 </file>
 
 <file path=ppt/diagrams/layout5.xml><?xml version="1.0" encoding="utf-8"?>
+<dgm:layoutDef xmlns:dgm="http://schemas.openxmlformats.org/drawingml/2006/diagram" xmlns:a="http://schemas.openxmlformats.org/drawingml/2006/main" uniqueId="urn:microsoft.com/office/officeart/2005/8/layout/hierarchy1">
+  <dgm:title val=""/>
+  <dgm:desc val=""/>
+  <dgm:catLst>
+    <dgm:cat type="hierarchy" pri="2000"/>
+  </dgm:catLst>
+  <dgm:sampData>
+    <dgm:dataModel>
+      <dgm:ptLst>
+        <dgm:pt modelId="0" type="doc"/>
+        <dgm:pt modelId="1">
+          <dgm:prSet phldr="1"/>
+        </dgm:pt>
+        <dgm:pt modelId="2">
+          <dgm:prSet phldr="1"/>
+        </dgm:pt>
+        <dgm:pt modelId="21">
+          <dgm:prSet phldr="1"/>
+        </dgm:pt>
+        <dgm:pt modelId="22">
+          <dgm:prSet phldr="1"/>
+        </dgm:pt>
+        <dgm:pt modelId="3">
+          <dgm:prSet phldr="1"/>
+        </dgm:pt>
+        <dgm:pt modelId="31">
+          <dgm:prSet phldr="1"/>
+        </dgm:pt>
+      </dgm:ptLst>
+      <dgm:cxnLst>
+        <dgm:cxn modelId="4" srcId="0" destId="1" srcOrd="0" destOrd="0"/>
+        <dgm:cxn modelId="5" srcId="1" destId="2" srcOrd="0" destOrd="0"/>
+        <dgm:cxn modelId="6" srcId="1" destId="3" srcOrd="1" destOrd="0"/>
+        <dgm:cxn modelId="23" srcId="2" destId="21" srcOrd="0" destOrd="0"/>
+        <dgm:cxn modelId="24" srcId="2" destId="22" srcOrd="1" destOrd="0"/>
+        <dgm:cxn modelId="33" srcId="3" destId="31" srcOrd="0" destOrd="0"/>
+      </dgm:cxnLst>
+      <dgm:bg/>
+      <dgm:whole/>
+    </dgm:dataModel>
+  </dgm:sampData>
+  <dgm:styleData>
+    <dgm:dataModel>
+      <dgm:ptLst>
+        <dgm:pt modelId="0" type="doc"/>
+        <dgm:pt modelId="1"/>
+        <dgm:pt modelId="11"/>
+        <dgm:pt modelId="12"/>
+      </dgm:ptLst>
+      <dgm:cxnLst>
+        <dgm:cxn modelId="2" srcId="0" destId="1" srcOrd="0" destOrd="0"/>
+        <dgm:cxn modelId="13" srcId="1" destId="11" srcOrd="0" destOrd="0"/>
+        <dgm:cxn modelId="14" srcId="1" destId="12" srcOrd="1" destOrd="0"/>
+      </dgm:cxnLst>
+      <dgm:bg/>
+      <dgm:whole/>
+    </dgm:dataModel>
+  </dgm:styleData>
+  <dgm:clrData>
+    <dgm:dataModel>
+      <dgm:ptLst>
+        <dgm:pt modelId="0" type="doc"/>
+        <dgm:pt modelId="1"/>
+        <dgm:pt modelId="2"/>
+        <dgm:pt modelId="21"/>
+        <dgm:pt modelId="211"/>
+        <dgm:pt modelId="3"/>
+        <dgm:pt modelId="31"/>
+        <dgm:pt modelId="311"/>
+      </dgm:ptLst>
+      <dgm:cxnLst>
+        <dgm:cxn modelId="4" srcId="0" destId="1" srcOrd="0" destOrd="0"/>
+        <dgm:cxn modelId="5" srcId="1" destId="2" srcOrd="0" destOrd="0"/>
+        <dgm:cxn modelId="6" srcId="1" destId="3" srcOrd="1" destOrd="0"/>
+        <dgm:cxn modelId="23" srcId="2" destId="21" srcOrd="0" destOrd="0"/>
+        <dgm:cxn modelId="24" srcId="21" destId="211" srcOrd="0" destOrd="0"/>
+        <dgm:cxn modelId="33" srcId="3" destId="31" srcOrd="0" destOrd="0"/>
+        <dgm:cxn modelId="34" srcId="31" destId="311" srcOrd="0" destOrd="0"/>
+      </dgm:cxnLst>
+      <dgm:bg/>
+      <dgm:whole/>
+    </dgm:dataModel>
+  </dgm:clrData>
+  <dgm:layoutNode name="hierChild1">
+    <dgm:varLst>
+      <dgm:chPref val="1"/>
+      <dgm:dir/>
+      <dgm:animOne val="branch"/>
+      <dgm:animLvl val="lvl"/>
+      <dgm:resizeHandles/>
+    </dgm:varLst>
+    <dgm:choose name="Name0">
+      <dgm:if name="Name1" func="var" arg="dir" op="equ" val="norm">
+        <dgm:alg type="hierChild">
+          <dgm:param type="linDir" val="fromL"/>
+        </dgm:alg>
+      </dgm:if>
+      <dgm:else name="Name2">
+        <dgm:alg type="hierChild">
+          <dgm:param type="linDir" val="fromR"/>
+        </dgm:alg>
+      </dgm:else>
+    </dgm:choose>
+    <dgm:shape xmlns:r="http://schemas.openxmlformats.org/officeDocument/2006/relationships" r:blip="">
+      <dgm:adjLst/>
+    </dgm:shape>
+    <dgm:presOf/>
+    <dgm:constrLst>
+      <dgm:constr type="primFontSz" for="des" ptType="node" op="equ" val="65"/>
+      <dgm:constr type="w" for="des" forName="composite" refType="w"/>
+      <dgm:constr type="h" for="des" forName="composite" refType="w" refFor="des" refForName="composite" fact="0.667"/>
+      <dgm:constr type="w" for="des" forName="composite2" refType="w" refFor="des" refForName="composite"/>
+      <dgm:constr type="h" for="des" forName="composite2" refType="h" refFor="des" refForName="composite"/>
+      <dgm:constr type="w" for="des" forName="composite3" refType="w" refFor="des" refForName="composite"/>
+      <dgm:constr type="h" for="des" forName="composite3" refType="h" refFor="des" refForName="composite"/>
+      <dgm:constr type="w" for="des" forName="composite4" refType="w" refFor="des" refForName="composite"/>
+      <dgm:constr type="h" for="des" forName="composite4" refType="h" refFor="des" refForName="composite"/>
+      <dgm:constr type="w" for="des" forName="composite5" refType="w" refFor="des" refForName="composite"/>
+      <dgm:constr type="h" for="des" forName="composite5" refType="h" refFor="des" refForName="composite"/>
+      <dgm:constr type="sibSp" refType="w" refFor="des" refForName="composite" fact="0.1"/>
+      <dgm:constr type="sibSp" for="des" forName="hierChild2" refType="sibSp"/>
+      <dgm:constr type="sibSp" for="des" forName="hierChild3" refType="sibSp"/>
+      <dgm:constr type="sibSp" for="des" forName="hierChild4" refType="sibSp"/>
+      <dgm:constr type="sibSp" for="des" forName="hierChild5" refType="sibSp"/>
+      <dgm:constr type="sibSp" for="des" forName="hierChild6" refType="sibSp"/>
+      <dgm:constr type="sp" for="des" forName="hierRoot1" refType="h" refFor="des" refForName="composite" fact="0.25"/>
+      <dgm:constr type="sp" for="des" forName="hierRoot2" refType="sp" refFor="des" refForName="hierRoot1"/>
+      <dgm:constr type="sp" for="des" forName="hierRoot3" refType="sp" refFor="des" refForName="hierRoot1"/>
+      <dgm:constr type="sp" for="des" forName="hierRoot4" refType="sp" refFor="des" refForName="hierRoot1"/>
+      <dgm:constr type="sp" for="des" forName="hierRoot5" refType="sp" refFor="des" refForName="hierRoot1"/>
+    </dgm:constrLst>
+    <dgm:ruleLst/>
+    <dgm:forEach name="Name3" axis="ch">
+      <dgm:forEach name="Name4" axis="self" ptType="node">
+        <dgm:layoutNode name="hierRoot1">
+          <dgm:alg type="hierRoot"/>
+          <dgm:shape xmlns:r="http://schemas.openxmlformats.org/officeDocument/2006/relationships" r:blip="">
+            <dgm:adjLst/>
+          </dgm:shape>
+          <dgm:presOf/>
+          <dgm:constrLst>
+            <dgm:constr type="bendDist" for="des" ptType="parTrans" refType="sp" fact="0.5"/>
+          </dgm:constrLst>
+          <dgm:ruleLst/>
+          <dgm:layoutNode name="composite">
+            <dgm:alg type="composite"/>
+            <dgm:shape xmlns:r="http://schemas.openxmlformats.org/officeDocument/2006/relationships" r:blip="">
+              <dgm:adjLst/>
+            </dgm:shape>
+            <dgm:presOf/>
+            <dgm:constrLst>
+              <dgm:constr type="w" for="ch" forName="background" refType="w" fact="0.9"/>
+              <dgm:constr type="h" for="ch" forName="background" refType="w" refFor="ch" refForName="background" fact="0.635"/>
+              <dgm:constr type="t" for="ch" forName="background"/>
+              <dgm:constr type="l" for="ch" forName="background"/>
+              <dgm:constr type="w" for="ch" forName="text" refType="w" fact="0.9"/>
+              <dgm:constr type="h" for="ch" forName="text" refType="w" refFor="ch" refForName="text" fact="0.635"/>
+              <dgm:constr type="t" for="ch" forName="text" refType="w" fact="0.095"/>
+              <dgm:constr type="l" for="ch" forName="text" refType="w" fact="0.1"/>
+            </dgm:constrLst>
+            <dgm:ruleLst/>
+            <dgm:layoutNode name="background" styleLbl="node0" moveWith="text">
+              <dgm:alg type="sp"/>
+              <dgm:shape xmlns:r="http://schemas.openxmlformats.org/officeDocument/2006/relationships" type="roundRect" r:blip="">
+                <dgm:adjLst>
+                  <dgm:adj idx="1" val="0.1"/>
+                </dgm:adjLst>
+              </dgm:shape>
+              <dgm:presOf/>
+              <dgm:constrLst/>
+              <dgm:ruleLst/>
+            </dgm:layoutNode>
+            <dgm:layoutNode name="text" styleLbl="fgAcc0">
+              <dgm:varLst>
+                <dgm:chPref val="3"/>
+              </dgm:varLst>
+              <dgm:alg type="tx"/>
+              <dgm:shape xmlns:r="http://schemas.openxmlformats.org/officeDocument/2006/relationships" type="roundRect" r:blip="">
+                <dgm:adjLst>
+                  <dgm:adj idx="1" val="0.1"/>
+                </dgm:adjLst>
+              </dgm:shape>
+              <dgm:presOf axis="self"/>
+              <dgm:constrLst>
+                <dgm:constr type="tMarg" refType="primFontSz" fact="0.3"/>
+                <dgm:constr type="bMarg" refType="primFontSz" fact="0.3"/>
+                <dgm:constr type="lMarg" refType="primFontSz" fact="0.3"/>
+                <dgm:constr type="rMarg" refType="primFontSz" fact="0.3"/>
+              </dgm:constrLst>
+              <dgm:ruleLst>
+                <dgm:rule type="primFontSz" val="5" fact="NaN" max="NaN"/>
+              </dgm:ruleLst>
+            </dgm:layoutNode>
+          </dgm:layoutNode>
+          <dgm:layoutNode name="hierChild2">
+            <dgm:choose name="Name5">
+              <dgm:if name="Name6" func="var" arg="dir" op="equ" val="norm">
+                <dgm:alg type="hierChild">
+                  <dgm:param type="linDir" val="fromL"/>
+                </dgm:alg>
+              </dgm:if>
+              <dgm:else name="Name7">
+                <dgm:alg type="hierChild">
+                  <dgm:param type="linDir" val="fromR"/>
+                </dgm:alg>
+              </dgm:else>
+            </dgm:choose>
+            <dgm:shape xmlns:r="http://schemas.openxmlformats.org/officeDocument/2006/relationships" r:blip="">
+              <dgm:adjLst/>
+            </dgm:shape>
+            <dgm:presOf/>
+            <dgm:constrLst/>
+            <dgm:ruleLst/>
+            <dgm:forEach name="Name8" axis="ch">
+              <dgm:forEach name="Name9" axis="self" ptType="parTrans" cnt="1">
+                <dgm:layoutNode name="Name10">
+                  <dgm:alg type="conn">
+                    <dgm:param type="dim" val="1D"/>
+                    <dgm:param type="endSty" val="noArr"/>
+                    <dgm:param type="connRout" val="bend"/>
+                    <dgm:param type="bendPt" val="end"/>
+                    <dgm:param type="begPts" val="bCtr"/>
+                    <dgm:param type="endPts" val="tCtr"/>
+                    <dgm:param type="srcNode" val="background"/>
+                    <dgm:param type="dstNode" val="background2"/>
+                  </dgm:alg>
+                  <dgm:shape xmlns:r="http://schemas.openxmlformats.org/officeDocument/2006/relationships" type="conn" r:blip="" zOrderOff="-999">
+                    <dgm:adjLst/>
+                  </dgm:shape>
+                  <dgm:presOf axis="self"/>
+                  <dgm:constrLst>
+                    <dgm:constr type="begPad"/>
+                    <dgm:constr type="endPad"/>
+                  </dgm:constrLst>
+                  <dgm:ruleLst/>
+                </dgm:layoutNode>
+              </dgm:forEach>
+              <dgm:forEach name="Name11" axis="self" ptType="node">
+                <dgm:layoutNode name="hierRoot2">
+                  <dgm:alg type="hierRoot"/>
+                  <dgm:shape xmlns:r="http://schemas.openxmlformats.org/officeDocument/2006/relationships" r:blip="">
+                    <dgm:adjLst/>
+                  </dgm:shape>
+                  <dgm:presOf/>
+                  <dgm:constrLst>
+                    <dgm:constr type="bendDist" for="des" ptType="parTrans" refType="sp" fact="0.5"/>
+                  </dgm:constrLst>
+                  <dgm:ruleLst/>
+                  <dgm:layoutNode name="composite2">
+                    <dgm:alg type="composite"/>
+                    <dgm:shape xmlns:r="http://schemas.openxmlformats.org/officeDocument/2006/relationships" r:blip="">
+                      <dgm:adjLst/>
+                    </dgm:shape>
+                    <dgm:presOf/>
+                    <dgm:constrLst>
+                      <dgm:constr type="w" for="ch" forName="background2" refType="w" fact="0.9"/>
+                      <dgm:constr type="h" for="ch" forName="background2" refType="w" refFor="ch" refForName="background2" fact="0.635"/>
+                      <dgm:constr type="t" for="ch" forName="background2"/>
+                      <dgm:constr type="l" for="ch" forName="background2"/>
+                      <dgm:constr type="w" for="ch" forName="text2" refType="w" fact="0.9"/>
+                      <dgm:constr type="h" for="ch" forName="text2" refType="w" refFor="ch" refForName="text2" fact="0.635"/>
+                      <dgm:constr type="t" for="ch" forName="text2" refType="w" fact="0.095"/>
+                      <dgm:constr type="l" for="ch" forName="text2" refType="w" fact="0.1"/>
+                    </dgm:constrLst>
+                    <dgm:ruleLst/>
+                    <dgm:layoutNode name="background2" moveWith="text2">
+                      <dgm:alg type="sp"/>
+                      <dgm:shape xmlns:r="http://schemas.openxmlformats.org/officeDocument/2006/relationships" type="roundRect" r:blip="">
+                        <dgm:adjLst>
+                          <dgm:adj idx="1" val="0.1"/>
+                        </dgm:adjLst>
+                      </dgm:shape>
+                      <dgm:presOf/>
+                      <dgm:constrLst/>
+                      <dgm:ruleLst/>
+                    </dgm:layoutNode>
+                    <dgm:layoutNode name="text2" styleLbl="fgAcc2">
+                      <dgm:varLst>
+                        <dgm:chPref val="3"/>
+                      </dgm:varLst>
+                      <dgm:alg type="tx"/>
+                      <dgm:shape xmlns:r="http://schemas.openxmlformats.org/officeDocument/2006/relationships" type="roundRect" r:blip="">
+                        <dgm:adjLst>
+                          <dgm:adj idx="1" val="0.1"/>
+                        </dgm:adjLst>
+                      </dgm:shape>
+                      <dgm:presOf axis="self"/>
+                      <dgm:constrLst>
+                        <dgm:constr type="tMarg" refType="primFontSz" fact="0.3"/>
+                        <dgm:constr type="bMarg" refType="primFontSz" fact="0.3"/>
+                        <dgm:constr type="lMarg" refType="primFontSz" fact="0.3"/>
+                        <dgm:constr type="rMarg" refType="primFontSz" fact="0.3"/>
+                      </dgm:constrLst>
+                      <dgm:ruleLst>
+                        <dgm:rule type="primFontSz" val="5" fact="NaN" max="NaN"/>
+                      </dgm:ruleLst>
+                    </dgm:layoutNode>
+                  </dgm:layoutNode>
+                  <dgm:layoutNode name="hierChild3">
+                    <dgm:choose name="Name12">
+                      <dgm:if name="Name13" func="var" arg="dir" op="equ" val="norm">
+                        <dgm:alg type="hierChild">
+                          <dgm:param type="linDir" val="fromL"/>
+                        </dgm:alg>
+                      </dgm:if>
+                      <dgm:else name="Name14">
+                        <dgm:alg type="hierChild">
+                          <dgm:param type="linDir" val="fromR"/>
+                        </dgm:alg>
+                      </dgm:else>
+                    </dgm:choose>
+                    <dgm:shape xmlns:r="http://schemas.openxmlformats.org/officeDocument/2006/relationships" r:blip="">
+                      <dgm:adjLst/>
+                    </dgm:shape>
+                    <dgm:presOf/>
+                    <dgm:constrLst/>
+                    <dgm:ruleLst/>
+                    <dgm:forEach name="Name15" axis="ch">
+                      <dgm:forEach name="Name16" axis="self" ptType="parTrans" cnt="1">
+                        <dgm:layoutNode name="Name17">
+                          <dgm:alg type="conn">
+                            <dgm:param type="dim" val="1D"/>
+                            <dgm:param type="endSty" val="noArr"/>
+                            <dgm:param type="connRout" val="bend"/>
+                            <dgm:param type="bendPt" val="end"/>
+                            <dgm:param type="begPts" val="bCtr"/>
+                            <dgm:param type="endPts" val="tCtr"/>
+                            <dgm:param type="srcNode" val="background2"/>
+                            <dgm:param type="dstNode" val="background3"/>
+                          </dgm:alg>
+                          <dgm:shape xmlns:r="http://schemas.openxmlformats.org/officeDocument/2006/relationships" type="conn" r:blip="" zOrderOff="-999">
+                            <dgm:adjLst/>
+                          </dgm:shape>
+                          <dgm:presOf axis="self"/>
+                          <dgm:constrLst>
+                            <dgm:constr type="begPad"/>
+                            <dgm:constr type="endPad"/>
+                          </dgm:constrLst>
+                          <dgm:ruleLst/>
+                        </dgm:layoutNode>
+                      </dgm:forEach>
+                      <dgm:forEach name="Name18" axis="self" ptType="node">
+                        <dgm:layoutNode name="hierRoot3">
+                          <dgm:alg type="hierRoot"/>
+                          <dgm:shape xmlns:r="http://schemas.openxmlformats.org/officeDocument/2006/relationships" r:blip="">
+                            <dgm:adjLst/>
+                          </dgm:shape>
+                          <dgm:presOf/>
+                          <dgm:constrLst>
+                            <dgm:constr type="bendDist" for="des" ptType="parTrans" refType="sp" fact="0.5"/>
+                          </dgm:constrLst>
+                          <dgm:ruleLst/>
+                          <dgm:layoutNode name="composite3">
+                            <dgm:alg type="composite"/>
+                            <dgm:shape xmlns:r="http://schemas.openxmlformats.org/officeDocument/2006/relationships" r:blip="">
+                              <dgm:adjLst/>
+                            </dgm:shape>
+                            <dgm:presOf/>
+                            <dgm:constrLst>
+                              <dgm:constr type="w" for="ch" forName="background3" refType="w" fact="0.9"/>
+                              <dgm:constr type="h" for="ch" forName="background3" refType="w" refFor="ch" refForName="background3" fact="0.635"/>
+                              <dgm:constr type="t" for="ch" forName="background3"/>
+                              <dgm:constr type="l" for="ch" forName="background3"/>
+                              <dgm:constr type="w" for="ch" forName="text3" refType="w" fact="0.9"/>
+                              <dgm:constr type="h" for="ch" forName="text3" refType="w" refFor="ch" refForName="text3" fact="0.635"/>
+                              <dgm:constr type="t" for="ch" forName="text3" refType="w" fact="0.095"/>
+                              <dgm:constr type="l" for="ch" forName="text3" refType="w" fact="0.1"/>
+                            </dgm:constrLst>
+                            <dgm:ruleLst/>
+                            <dgm:layoutNode name="background3" moveWith="text3">
+                              <dgm:alg type="sp"/>
+                              <dgm:shape xmlns:r="http://schemas.openxmlformats.org/officeDocument/2006/relationships" type="roundRect" r:blip="">
+                                <dgm:adjLst>
+                                  <dgm:adj idx="1" val="0.1"/>
+                                </dgm:adjLst>
+                              </dgm:shape>
+                              <dgm:presOf/>
+                              <dgm:constrLst/>
+                              <dgm:ruleLst/>
+                            </dgm:layoutNode>
+                            <dgm:layoutNode name="text3" styleLbl="fgAcc3">
+                              <dgm:varLst>
+                                <dgm:chPref val="3"/>
+                              </dgm:varLst>
+                              <dgm:alg type="tx"/>
+                              <dgm:shape xmlns:r="http://schemas.openxmlformats.org/officeDocument/2006/relationships" type="roundRect" r:blip="">
+                                <dgm:adjLst>
+                                  <dgm:adj idx="1" val="0.1"/>
+                                </dgm:adjLst>
+                              </dgm:shape>
+                              <dgm:presOf axis="self"/>
+                              <dgm:constrLst>
+                                <dgm:constr type="tMarg" refType="primFontSz" fact="0.3"/>
+                                <dgm:constr type="bMarg" refType="primFontSz" fact="0.3"/>
+                                <dgm:constr type="lMarg" refType="primFontSz" fact="0.3"/>
+                                <dgm:constr type="rMarg" refType="primFontSz" fact="0.3"/>
+                              </dgm:constrLst>
+                              <dgm:ruleLst>
+                                <dgm:rule type="primFontSz" val="5" fact="NaN" max="NaN"/>
+                              </dgm:ruleLst>
+                            </dgm:layoutNode>
+                          </dgm:layoutNode>
+                          <dgm:layoutNode name="hierChild4">
+                            <dgm:choose name="Name19">
+                              <dgm:if name="Name20" func="var" arg="dir" op="equ" val="norm">
+                                <dgm:alg type="hierChild">
+                                  <dgm:param type="linDir" val="fromL"/>
+                                </dgm:alg>
+                              </dgm:if>
+                              <dgm:else name="Name21">
+                                <dgm:alg type="hierChild">
+                                  <dgm:param type="linDir" val="fromR"/>
+                                </dgm:alg>
+                              </dgm:else>
+                            </dgm:choose>
+                            <dgm:shape xmlns:r="http://schemas.openxmlformats.org/officeDocument/2006/relationships" r:blip="">
+                              <dgm:adjLst/>
+                            </dgm:shape>
+                            <dgm:presOf/>
+                            <dgm:constrLst/>
+                            <dgm:ruleLst/>
+                            <dgm:forEach name="repeat" axis="ch">
+                              <dgm:forEach name="Name22" axis="self" ptType="parTrans" cnt="1">
+                                <dgm:layoutNode name="Name23">
+                                  <dgm:choose name="Name24">
+                                    <dgm:if name="Name25" axis="self" func="depth" op="lte" val="4">
+                                      <dgm:alg type="conn">
+                                        <dgm:param type="dim" val="1D"/>
+                                        <dgm:param type="endSty" val="noArr"/>
+                                        <dgm:param type="connRout" val="bend"/>
+                                        <dgm:param type="bendPt" val="end"/>
+                                        <dgm:param type="begPts" val="bCtr"/>
+                                        <dgm:param type="endPts" val="tCtr"/>
+                                        <dgm:param type="srcNode" val="background3"/>
+                                        <dgm:param type="dstNode" val="background4"/>
+                                      </dgm:alg>
+                                    </dgm:if>
+                                    <dgm:else name="Name26">
+                                      <dgm:alg type="conn">
+                                        <dgm:param type="dim" val="1D"/>
+                                        <dgm:param type="endSty" val="noArr"/>
+                                        <dgm:param type="connRout" val="bend"/>
+                                        <dgm:param type="bendPt" val="end"/>
+                                        <dgm:param type="begPts" val="bCtr"/>
+                                        <dgm:param type="endPts" val="tCtr"/>
+                                        <dgm:param type="srcNode" val="background4"/>
+                                        <dgm:param type="dstNode" val="background4"/>
+                                      </dgm:alg>
+                                    </dgm:else>
+                                  </dgm:choose>
+                                  <dgm:shape xmlns:r="http://schemas.openxmlformats.org/officeDocument/2006/relationships" type="conn" r:blip="" zOrderOff="-999">
+                                    <dgm:adjLst/>
+                                  </dgm:shape>
+                                  <dgm:presOf axis="self"/>
+                                  <dgm:constrLst>
+                                    <dgm:constr type="begPad"/>
+                                    <dgm:constr type="endPad"/>
+                                  </dgm:constrLst>
+                                  <dgm:ruleLst/>
+                                </dgm:layoutNode>
+                              </dgm:forEach>
+                              <dgm:forEach name="Name27" axis="self" ptType="node">
+                                <dgm:layoutNode name="hierRoot4">
+                                  <dgm:alg type="hierRoot"/>
+                                  <dgm:shape xmlns:r="http://schemas.openxmlformats.org/officeDocument/2006/relationships" r:blip="">
+                                    <dgm:adjLst/>
+                                  </dgm:shape>
+                                  <dgm:presOf/>
+                                  <dgm:constrLst>
+                                    <dgm:constr type="bendDist" for="des" ptType="parTrans" refType="sp" fact="0.5"/>
+                                  </dgm:constrLst>
+                                  <dgm:ruleLst/>
+                                  <dgm:layoutNode name="composite4">
+                                    <dgm:alg type="composite"/>
+                                    <dgm:shape xmlns:r="http://schemas.openxmlformats.org/officeDocument/2006/relationships" r:blip="">
+                                      <dgm:adjLst/>
+                                    </dgm:shape>
+                                    <dgm:presOf/>
+                                    <dgm:constrLst>
+                                      <dgm:constr type="w" for="ch" forName="background4" refType="w" fact="0.9"/>
+                                      <dgm:constr type="h" for="ch" forName="background4" refType="w" refFor="ch" refForName="background4" fact="0.635"/>
+                                      <dgm:constr type="t" for="ch" forName="background4"/>
+                                      <dgm:constr type="l" for="ch" forName="background4"/>
+                                      <dgm:constr type="w" for="ch" forName="text4" refType="w" fact="0.9"/>
+                                      <dgm:constr type="h" for="ch" forName="text4" refType="w" refFor="ch" refForName="text4" fact="0.635"/>
+                                      <dgm:constr type="t" for="ch" forName="text4" refType="w" fact="0.095"/>
+                                      <dgm:constr type="l" for="ch" forName="text4" refType="w" fact="0.1"/>
+                                    </dgm:constrLst>
+                                    <dgm:ruleLst/>
+                                    <dgm:layoutNode name="background4" moveWith="text4">
+                                      <dgm:alg type="sp"/>
+                                      <dgm:shape xmlns:r="http://schemas.openxmlformats.org/officeDocument/2006/relationships" type="roundRect" r:blip="">
+                                        <dgm:adjLst>
+                                          <dgm:adj idx="1" val="0.1"/>
+                                        </dgm:adjLst>
+                                      </dgm:shape>
+                                      <dgm:presOf/>
+                                      <dgm:constrLst/>
+                                      <dgm:ruleLst/>
+                                    </dgm:layoutNode>
+                                    <dgm:layoutNode name="text4" styleLbl="fgAcc4">
+                                      <dgm:varLst>
+                                        <dgm:chPref val="3"/>
+                                      </dgm:varLst>
+                                      <dgm:alg type="tx"/>
+                                      <dgm:shape xmlns:r="http://schemas.openxmlformats.org/officeDocument/2006/relationships" type="roundRect" r:blip="">
+                                        <dgm:adjLst>
+                                          <dgm:adj idx="1" val="0.1"/>
+                                        </dgm:adjLst>
+                                      </dgm:shape>
+                                      <dgm:presOf axis="self"/>
+                                      <dgm:constrLst>
+                                        <dgm:constr type="tMarg" refType="primFontSz" fact="0.3"/>
+                                        <dgm:constr type="bMarg" refType="primFontSz" fact="0.3"/>
+                                        <dgm:constr type="lMarg" refType="primFontSz" fact="0.3"/>
+                                        <dgm:constr type="rMarg" refType="primFontSz" fact="0.3"/>
+                                      </dgm:constrLst>
+                                      <dgm:ruleLst>
+                                        <dgm:rule type="primFontSz" val="5" fact="NaN" max="NaN"/>
+                                      </dgm:ruleLst>
+                                    </dgm:layoutNode>
+                                  </dgm:layoutNode>
+                                  <dgm:layoutNode name="hierChild5">
+                                    <dgm:choose name="Name28">
+                                      <dgm:if name="Name29" func="var" arg="dir" op="equ" val="norm">
+                                        <dgm:alg type="hierChild">
+                                          <dgm:param type="linDir" val="fromL"/>
+                                        </dgm:alg>
+                                      </dgm:if>
+                                      <dgm:else name="Name30">
+                                        <dgm:alg type="hierChild">
+                                          <dgm:param type="linDir" val="fromR"/>
+                                        </dgm:alg>
+                                      </dgm:else>
+                                    </dgm:choose>
+                                    <dgm:shape xmlns:r="http://schemas.openxmlformats.org/officeDocument/2006/relationships" r:blip="">
+                                      <dgm:adjLst/>
+                                    </dgm:shape>
+                                    <dgm:presOf/>
+                                    <dgm:constrLst/>
+                                    <dgm:ruleLst/>
+                                    <dgm:forEach name="Name31" ref="repeat"/>
+                                  </dgm:layoutNode>
+                                </dgm:layoutNode>
+                              </dgm:forEach>
+                            </dgm:forEach>
+                          </dgm:layoutNode>
+                        </dgm:layoutNode>
+                      </dgm:forEach>
+                    </dgm:forEach>
+                  </dgm:layoutNode>
+                </dgm:layoutNode>
+              </dgm:forEach>
+            </dgm:forEach>
+          </dgm:layoutNode>
+        </dgm:layoutNode>
+      </dgm:forEach>
+    </dgm:forEach>
+  </dgm:layoutNode>
+</dgm:layoutDef>
+</file>
+
+<file path=ppt/diagrams/layout6.xml><?xml version="1.0" encoding="utf-8"?>
 <dgm:layoutDef xmlns:dgm="http://schemas.openxmlformats.org/drawingml/2006/diagram" xmlns:a="http://schemas.openxmlformats.org/drawingml/2006/main" uniqueId="urn:microsoft.com/office/officeart/2018/2/layout/IconCircleList">
   <dgm:title val="Icon Circle List"/>
   <dgm:desc val="Use to show non-sequential or grouped chunks of information accompanied by related visuals. Circular shapes can hold an icon or small picture and corresponding text box shows Level 1 text. Works best for icons or small pictures with medium-length descriptions."/>
@@ -15675,6 +17474,1040 @@
 </file>
 
 <file path=ppt/diagrams/quickStyle5.xml><?xml version="1.0" encoding="utf-8"?>
+<dgm:styleDef xmlns:dgm="http://schemas.openxmlformats.org/drawingml/2006/diagram" xmlns:a="http://schemas.openxmlformats.org/drawingml/2006/main" uniqueId="urn:microsoft.com/office/officeart/2005/8/quickstyle/simple4">
+  <dgm:title val=""/>
+  <dgm:desc val=""/>
+  <dgm:catLst>
+    <dgm:cat type="simple" pri="10400"/>
+  </dgm:catLst>
+  <dgm:scene3d>
+    <a:camera prst="orthographicFront"/>
+    <a:lightRig rig="threePt" dir="t"/>
+  </dgm:scene3d>
+  <dgm:styleLbl name="node0">
+    <dgm:scene3d>
+      <a:camera prst="orthographicFront"/>
+      <a:lightRig rig="threePt" dir="t"/>
+    </dgm:scene3d>
+    <dgm:sp3d/>
+    <dgm:txPr/>
+    <dgm:style>
+      <a:lnRef idx="0">
+        <a:scrgbClr r="0" g="0" b="0"/>
+      </a:lnRef>
+      <a:fillRef idx="3">
+        <a:scrgbClr r="0" g="0" b="0"/>
+      </a:fillRef>
+      <a:effectRef idx="2">
+        <a:scrgbClr r="0" g="0" b="0"/>
+      </a:effectRef>
+      <a:fontRef idx="minor">
+        <a:schemeClr val="lt1"/>
+      </a:fontRef>
+    </dgm:style>
+  </dgm:styleLbl>
+  <dgm:styleLbl name="lnNode1">
+    <dgm:scene3d>
+      <a:camera prst="orthographicFront"/>
+      <a:lightRig rig="threePt" dir="t"/>
+    </dgm:scene3d>
+    <dgm:sp3d/>
+    <dgm:txPr/>
+    <dgm:style>
+      <a:lnRef idx="1">
+        <a:scrgbClr r="0" g="0" b="0"/>
+      </a:lnRef>
+      <a:fillRef idx="3">
+        <a:scrgbClr r="0" g="0" b="0"/>
+      </a:fillRef>
+      <a:effectRef idx="2">
+        <a:scrgbClr r="0" g="0" b="0"/>
+      </a:effectRef>
+      <a:fontRef idx="minor">
+        <a:schemeClr val="lt1"/>
+      </a:fontRef>
+    </dgm:style>
+  </dgm:styleLbl>
+  <dgm:styleLbl name="vennNode1">
+    <dgm:scene3d>
+      <a:camera prst="orthographicFront"/>
+      <a:lightRig rig="threePt" dir="t"/>
+    </dgm:scene3d>
+    <dgm:sp3d/>
+    <dgm:txPr/>
+    <dgm:style>
+      <a:lnRef idx="0">
+        <a:scrgbClr r="0" g="0" b="0"/>
+      </a:lnRef>
+      <a:fillRef idx="3">
+        <a:scrgbClr r="0" g="0" b="0"/>
+      </a:fillRef>
+      <a:effectRef idx="0">
+        <a:scrgbClr r="0" g="0" b="0"/>
+      </a:effectRef>
+      <a:fontRef idx="minor">
+        <a:schemeClr val="tx1"/>
+      </a:fontRef>
+    </dgm:style>
+  </dgm:styleLbl>
+  <dgm:styleLbl name="alignNode1">
+    <dgm:scene3d>
+      <a:camera prst="orthographicFront"/>
+      <a:lightRig rig="threePt" dir="t"/>
+    </dgm:scene3d>
+    <dgm:sp3d/>
+    <dgm:txPr/>
+    <dgm:style>
+      <a:lnRef idx="1">
+        <a:scrgbClr r="0" g="0" b="0"/>
+      </a:lnRef>
+      <a:fillRef idx="3">
+        <a:scrgbClr r="0" g="0" b="0"/>
+      </a:fillRef>
+      <a:effectRef idx="2">
+        <a:scrgbClr r="0" g="0" b="0"/>
+      </a:effectRef>
+      <a:fontRef idx="minor">
+        <a:schemeClr val="lt1"/>
+      </a:fontRef>
+    </dgm:style>
+  </dgm:styleLbl>
+  <dgm:styleLbl name="node1">
+    <dgm:scene3d>
+      <a:camera prst="orthographicFront"/>
+      <a:lightRig rig="threePt" dir="t"/>
+    </dgm:scene3d>
+    <dgm:sp3d/>
+    <dgm:txPr/>
+    <dgm:style>
+      <a:lnRef idx="0">
+        <a:scrgbClr r="0" g="0" b="0"/>
+      </a:lnRef>
+      <a:fillRef idx="3">
+        <a:scrgbClr r="0" g="0" b="0"/>
+      </a:fillRef>
+      <a:effectRef idx="2">
+        <a:scrgbClr r="0" g="0" b="0"/>
+      </a:effectRef>
+      <a:fontRef idx="minor">
+        <a:schemeClr val="lt1"/>
+      </a:fontRef>
+    </dgm:style>
+  </dgm:styleLbl>
+  <dgm:styleLbl name="node2">
+    <dgm:scene3d>
+      <a:camera prst="orthographicFront"/>
+      <a:lightRig rig="threePt" dir="t"/>
+    </dgm:scene3d>
+    <dgm:sp3d/>
+    <dgm:txPr/>
+    <dgm:style>
+      <a:lnRef idx="0">
+        <a:scrgbClr r="0" g="0" b="0"/>
+      </a:lnRef>
+      <a:fillRef idx="3">
+        <a:scrgbClr r="0" g="0" b="0"/>
+      </a:fillRef>
+      <a:effectRef idx="2">
+        <a:scrgbClr r="0" g="0" b="0"/>
+      </a:effectRef>
+      <a:fontRef idx="minor">
+        <a:schemeClr val="lt1"/>
+      </a:fontRef>
+    </dgm:style>
+  </dgm:styleLbl>
+  <dgm:styleLbl name="node3">
+    <dgm:scene3d>
+      <a:camera prst="orthographicFront"/>
+      <a:lightRig rig="threePt" dir="t"/>
+    </dgm:scene3d>
+    <dgm:sp3d/>
+    <dgm:txPr/>
+    <dgm:style>
+      <a:lnRef idx="0">
+        <a:scrgbClr r="0" g="0" b="0"/>
+      </a:lnRef>
+      <a:fillRef idx="3">
+        <a:scrgbClr r="0" g="0" b="0"/>
+      </a:fillRef>
+      <a:effectRef idx="2">
+        <a:scrgbClr r="0" g="0" b="0"/>
+      </a:effectRef>
+      <a:fontRef idx="minor">
+        <a:schemeClr val="lt1"/>
+      </a:fontRef>
+    </dgm:style>
+  </dgm:styleLbl>
+  <dgm:styleLbl name="node4">
+    <dgm:scene3d>
+      <a:camera prst="orthographicFront"/>
+      <a:lightRig rig="threePt" dir="t"/>
+    </dgm:scene3d>
+    <dgm:sp3d/>
+    <dgm:txPr/>
+    <dgm:style>
+      <a:lnRef idx="0">
+        <a:scrgbClr r="0" g="0" b="0"/>
+      </a:lnRef>
+      <a:fillRef idx="3">
+        <a:scrgbClr r="0" g="0" b="0"/>
+      </a:fillRef>
+      <a:effectRef idx="2">
+        <a:scrgbClr r="0" g="0" b="0"/>
+      </a:effectRef>
+      <a:fontRef idx="minor">
+        <a:schemeClr val="lt1"/>
+      </a:fontRef>
+    </dgm:style>
+  </dgm:styleLbl>
+  <dgm:styleLbl name="fgImgPlace1">
+    <dgm:scene3d>
+      <a:camera prst="orthographicFront"/>
+      <a:lightRig rig="threePt" dir="t"/>
+    </dgm:scene3d>
+    <dgm:sp3d/>
+    <dgm:txPr/>
+    <dgm:style>
+      <a:lnRef idx="0">
+        <a:scrgbClr r="0" g="0" b="0"/>
+      </a:lnRef>
+      <a:fillRef idx="1">
+        <a:scrgbClr r="0" g="0" b="0"/>
+      </a:fillRef>
+      <a:effectRef idx="2">
+        <a:scrgbClr r="0" g="0" b="0"/>
+      </a:effectRef>
+      <a:fontRef idx="minor"/>
+    </dgm:style>
+  </dgm:styleLbl>
+  <dgm:styleLbl name="alignImgPlace1">
+    <dgm:scene3d>
+      <a:camera prst="orthographicFront"/>
+      <a:lightRig rig="threePt" dir="t"/>
+    </dgm:scene3d>
+    <dgm:sp3d/>
+    <dgm:txPr/>
+    <dgm:style>
+      <a:lnRef idx="0">
+        <a:scrgbClr r="0" g="0" b="0"/>
+      </a:lnRef>
+      <a:fillRef idx="1">
+        <a:scrgbClr r="0" g="0" b="0"/>
+      </a:fillRef>
+      <a:effectRef idx="2">
+        <a:scrgbClr r="0" g="0" b="0"/>
+      </a:effectRef>
+      <a:fontRef idx="minor"/>
+    </dgm:style>
+  </dgm:styleLbl>
+  <dgm:styleLbl name="bgImgPlace1">
+    <dgm:scene3d>
+      <a:camera prst="orthographicFront"/>
+      <a:lightRig rig="threePt" dir="t"/>
+    </dgm:scene3d>
+    <dgm:sp3d/>
+    <dgm:txPr/>
+    <dgm:style>
+      <a:lnRef idx="0">
+        <a:scrgbClr r="0" g="0" b="0"/>
+      </a:lnRef>
+      <a:fillRef idx="1">
+        <a:scrgbClr r="0" g="0" b="0"/>
+      </a:fillRef>
+      <a:effectRef idx="2">
+        <a:scrgbClr r="0" g="0" b="0"/>
+      </a:effectRef>
+      <a:fontRef idx="minor"/>
+    </dgm:style>
+  </dgm:styleLbl>
+  <dgm:styleLbl name="sibTrans2D1">
+    <dgm:scene3d>
+      <a:camera prst="orthographicFront"/>
+      <a:lightRig rig="threePt" dir="t"/>
+    </dgm:scene3d>
+    <dgm:sp3d/>
+    <dgm:txPr/>
+    <dgm:style>
+      <a:lnRef idx="0">
+        <a:scrgbClr r="0" g="0" b="0"/>
+      </a:lnRef>
+      <a:fillRef idx="3">
+        <a:scrgbClr r="0" g="0" b="0"/>
+      </a:fillRef>
+      <a:effectRef idx="2">
+        <a:scrgbClr r="0" g="0" b="0"/>
+      </a:effectRef>
+      <a:fontRef idx="minor">
+        <a:schemeClr val="lt1"/>
+      </a:fontRef>
+    </dgm:style>
+  </dgm:styleLbl>
+  <dgm:styleLbl name="fgSibTrans2D1">
+    <dgm:scene3d>
+      <a:camera prst="orthographicFront"/>
+      <a:lightRig rig="threePt" dir="t"/>
+    </dgm:scene3d>
+    <dgm:sp3d/>
+    <dgm:txPr/>
+    <dgm:style>
+      <a:lnRef idx="0">
+        <a:scrgbClr r="0" g="0" b="0"/>
+      </a:lnRef>
+      <a:fillRef idx="3">
+        <a:scrgbClr r="0" g="0" b="0"/>
+      </a:fillRef>
+      <a:effectRef idx="2">
+        <a:scrgbClr r="0" g="0" b="0"/>
+      </a:effectRef>
+      <a:fontRef idx="minor">
+        <a:schemeClr val="lt1"/>
+      </a:fontRef>
+    </dgm:style>
+  </dgm:styleLbl>
+  <dgm:styleLbl name="bgSibTrans2D1">
+    <dgm:scene3d>
+      <a:camera prst="orthographicFront"/>
+      <a:lightRig rig="threePt" dir="t"/>
+    </dgm:scene3d>
+    <dgm:sp3d/>
+    <dgm:txPr/>
+    <dgm:style>
+      <a:lnRef idx="0">
+        <a:scrgbClr r="0" g="0" b="0"/>
+      </a:lnRef>
+      <a:fillRef idx="3">
+        <a:scrgbClr r="0" g="0" b="0"/>
+      </a:fillRef>
+      <a:effectRef idx="2">
+        <a:scrgbClr r="0" g="0" b="0"/>
+      </a:effectRef>
+      <a:fontRef idx="minor">
+        <a:schemeClr val="lt1"/>
+      </a:fontRef>
+    </dgm:style>
+  </dgm:styleLbl>
+  <dgm:styleLbl name="sibTrans1D1">
+    <dgm:scene3d>
+      <a:camera prst="orthographicFront"/>
+      <a:lightRig rig="threePt" dir="t"/>
+    </dgm:scene3d>
+    <dgm:sp3d/>
+    <dgm:txPr/>
+    <dgm:style>
+      <a:lnRef idx="1">
+        <a:scrgbClr r="0" g="0" b="0"/>
+      </a:lnRef>
+      <a:fillRef idx="0">
+        <a:scrgbClr r="0" g="0" b="0"/>
+      </a:fillRef>
+      <a:effectRef idx="0">
+        <a:scrgbClr r="0" g="0" b="0"/>
+      </a:effectRef>
+      <a:fontRef idx="minor"/>
+    </dgm:style>
+  </dgm:styleLbl>
+  <dgm:styleLbl name="callout">
+    <dgm:scene3d>
+      <a:camera prst="orthographicFront"/>
+      <a:lightRig rig="threePt" dir="t"/>
+    </dgm:scene3d>
+    <dgm:sp3d/>
+    <dgm:txPr/>
+    <dgm:style>
+      <a:lnRef idx="2">
+        <a:scrgbClr r="0" g="0" b="0"/>
+      </a:lnRef>
+      <a:fillRef idx="1">
+        <a:scrgbClr r="0" g="0" b="0"/>
+      </a:fillRef>
+      <a:effectRef idx="1">
+        <a:scrgbClr r="0" g="0" b="0"/>
+      </a:effectRef>
+      <a:fontRef idx="minor"/>
+    </dgm:style>
+  </dgm:styleLbl>
+  <dgm:styleLbl name="asst0">
+    <dgm:scene3d>
+      <a:camera prst="orthographicFront"/>
+      <a:lightRig rig="threePt" dir="t"/>
+    </dgm:scene3d>
+    <dgm:sp3d/>
+    <dgm:txPr/>
+    <dgm:style>
+      <a:lnRef idx="0">
+        <a:scrgbClr r="0" g="0" b="0"/>
+      </a:lnRef>
+      <a:fillRef idx="3">
+        <a:scrgbClr r="0" g="0" b="0"/>
+      </a:fillRef>
+      <a:effectRef idx="2">
+        <a:scrgbClr r="0" g="0" b="0"/>
+      </a:effectRef>
+      <a:fontRef idx="minor">
+        <a:schemeClr val="lt1"/>
+      </a:fontRef>
+    </dgm:style>
+  </dgm:styleLbl>
+  <dgm:styleLbl name="asst1">
+    <dgm:scene3d>
+      <a:camera prst="orthographicFront"/>
+      <a:lightRig rig="threePt" dir="t"/>
+    </dgm:scene3d>
+    <dgm:sp3d/>
+    <dgm:txPr/>
+    <dgm:style>
+      <a:lnRef idx="0">
+        <a:scrgbClr r="0" g="0" b="0"/>
+      </a:lnRef>
+      <a:fillRef idx="3">
+        <a:scrgbClr r="0" g="0" b="0"/>
+      </a:fillRef>
+      <a:effectRef idx="2">
+        <a:scrgbClr r="0" g="0" b="0"/>
+      </a:effectRef>
+      <a:fontRef idx="minor">
+        <a:schemeClr val="lt1"/>
+      </a:fontRef>
+    </dgm:style>
+  </dgm:styleLbl>
+  <dgm:styleLbl name="asst2">
+    <dgm:scene3d>
+      <a:camera prst="orthographicFront"/>
+      <a:lightRig rig="threePt" dir="t"/>
+    </dgm:scene3d>
+    <dgm:sp3d/>
+    <dgm:txPr/>
+    <dgm:style>
+      <a:lnRef idx="0">
+        <a:scrgbClr r="0" g="0" b="0"/>
+      </a:lnRef>
+      <a:fillRef idx="3">
+        <a:scrgbClr r="0" g="0" b="0"/>
+      </a:fillRef>
+      <a:effectRef idx="2">
+        <a:scrgbClr r="0" g="0" b="0"/>
+      </a:effectRef>
+      <a:fontRef idx="minor">
+        <a:schemeClr val="lt1"/>
+      </a:fontRef>
+    </dgm:style>
+  </dgm:styleLbl>
+  <dgm:styleLbl name="asst3">
+    <dgm:scene3d>
+      <a:camera prst="orthographicFront"/>
+      <a:lightRig rig="threePt" dir="t"/>
+    </dgm:scene3d>
+    <dgm:sp3d/>
+    <dgm:txPr/>
+    <dgm:style>
+      <a:lnRef idx="0">
+        <a:scrgbClr r="0" g="0" b="0"/>
+      </a:lnRef>
+      <a:fillRef idx="3">
+        <a:scrgbClr r="0" g="0" b="0"/>
+      </a:fillRef>
+      <a:effectRef idx="2">
+        <a:scrgbClr r="0" g="0" b="0"/>
+      </a:effectRef>
+      <a:fontRef idx="minor">
+        <a:schemeClr val="lt1"/>
+      </a:fontRef>
+    </dgm:style>
+  </dgm:styleLbl>
+  <dgm:styleLbl name="asst4">
+    <dgm:scene3d>
+      <a:camera prst="orthographicFront"/>
+      <a:lightRig rig="threePt" dir="t"/>
+    </dgm:scene3d>
+    <dgm:sp3d/>
+    <dgm:txPr/>
+    <dgm:style>
+      <a:lnRef idx="0">
+        <a:scrgbClr r="0" g="0" b="0"/>
+      </a:lnRef>
+      <a:fillRef idx="3">
+        <a:scrgbClr r="0" g="0" b="0"/>
+      </a:fillRef>
+      <a:effectRef idx="2">
+        <a:scrgbClr r="0" g="0" b="0"/>
+      </a:effectRef>
+      <a:fontRef idx="minor">
+        <a:schemeClr val="lt1"/>
+      </a:fontRef>
+    </dgm:style>
+  </dgm:styleLbl>
+  <dgm:styleLbl name="parChTrans2D1">
+    <dgm:scene3d>
+      <a:camera prst="orthographicFront"/>
+      <a:lightRig rig="threePt" dir="t"/>
+    </dgm:scene3d>
+    <dgm:sp3d/>
+    <dgm:txPr/>
+    <dgm:style>
+      <a:lnRef idx="0">
+        <a:scrgbClr r="0" g="0" b="0"/>
+      </a:lnRef>
+      <a:fillRef idx="3">
+        <a:scrgbClr r="0" g="0" b="0"/>
+      </a:fillRef>
+      <a:effectRef idx="2">
+        <a:scrgbClr r="0" g="0" b="0"/>
+      </a:effectRef>
+      <a:fontRef idx="minor">
+        <a:schemeClr val="lt1"/>
+      </a:fontRef>
+    </dgm:style>
+  </dgm:styleLbl>
+  <dgm:styleLbl name="parChTrans2D2">
+    <dgm:scene3d>
+      <a:camera prst="orthographicFront"/>
+      <a:lightRig rig="threePt" dir="t"/>
+    </dgm:scene3d>
+    <dgm:sp3d/>
+    <dgm:txPr/>
+    <dgm:style>
+      <a:lnRef idx="0">
+        <a:scrgbClr r="0" g="0" b="0"/>
+      </a:lnRef>
+      <a:fillRef idx="3">
+        <a:scrgbClr r="0" g="0" b="0"/>
+      </a:fillRef>
+      <a:effectRef idx="2">
+        <a:scrgbClr r="0" g="0" b="0"/>
+      </a:effectRef>
+      <a:fontRef idx="minor">
+        <a:schemeClr val="lt1"/>
+      </a:fontRef>
+    </dgm:style>
+  </dgm:styleLbl>
+  <dgm:styleLbl name="parChTrans2D3">
+    <dgm:scene3d>
+      <a:camera prst="orthographicFront"/>
+      <a:lightRig rig="threePt" dir="t"/>
+    </dgm:scene3d>
+    <dgm:sp3d/>
+    <dgm:txPr/>
+    <dgm:style>
+      <a:lnRef idx="1">
+        <a:scrgbClr r="0" g="0" b="0"/>
+      </a:lnRef>
+      <a:fillRef idx="3">
+        <a:scrgbClr r="0" g="0" b="0"/>
+      </a:fillRef>
+      <a:effectRef idx="2">
+        <a:scrgbClr r="0" g="0" b="0"/>
+      </a:effectRef>
+      <a:fontRef idx="minor">
+        <a:schemeClr val="lt1"/>
+      </a:fontRef>
+    </dgm:style>
+  </dgm:styleLbl>
+  <dgm:styleLbl name="parChTrans2D4">
+    <dgm:scene3d>
+      <a:camera prst="orthographicFront"/>
+      <a:lightRig rig="threePt" dir="t"/>
+    </dgm:scene3d>
+    <dgm:sp3d/>
+    <dgm:txPr/>
+    <dgm:style>
+      <a:lnRef idx="1">
+        <a:scrgbClr r="0" g="0" b="0"/>
+      </a:lnRef>
+      <a:fillRef idx="3">
+        <a:scrgbClr r="0" g="0" b="0"/>
+      </a:fillRef>
+      <a:effectRef idx="2">
+        <a:scrgbClr r="0" g="0" b="0"/>
+      </a:effectRef>
+      <a:fontRef idx="minor">
+        <a:schemeClr val="lt1"/>
+      </a:fontRef>
+    </dgm:style>
+  </dgm:styleLbl>
+  <dgm:styleLbl name="parChTrans1D1">
+    <dgm:scene3d>
+      <a:camera prst="orthographicFront"/>
+      <a:lightRig rig="threePt" dir="t"/>
+    </dgm:scene3d>
+    <dgm:sp3d/>
+    <dgm:txPr/>
+    <dgm:style>
+      <a:lnRef idx="1">
+        <a:scrgbClr r="0" g="0" b="0"/>
+      </a:lnRef>
+      <a:fillRef idx="0">
+        <a:scrgbClr r="0" g="0" b="0"/>
+      </a:fillRef>
+      <a:effectRef idx="0">
+        <a:scrgbClr r="0" g="0" b="0"/>
+      </a:effectRef>
+      <a:fontRef idx="minor"/>
+    </dgm:style>
+  </dgm:styleLbl>
+  <dgm:styleLbl name="parChTrans1D2">
+    <dgm:scene3d>
+      <a:camera prst="orthographicFront"/>
+      <a:lightRig rig="threePt" dir="t"/>
+    </dgm:scene3d>
+    <dgm:sp3d/>
+    <dgm:txPr/>
+    <dgm:style>
+      <a:lnRef idx="1">
+        <a:scrgbClr r="0" g="0" b="0"/>
+      </a:lnRef>
+      <a:fillRef idx="0">
+        <a:scrgbClr r="0" g="0" b="0"/>
+      </a:fillRef>
+      <a:effectRef idx="0">
+        <a:scrgbClr r="0" g="0" b="0"/>
+      </a:effectRef>
+      <a:fontRef idx="minor"/>
+    </dgm:style>
+  </dgm:styleLbl>
+  <dgm:styleLbl name="parChTrans1D3">
+    <dgm:scene3d>
+      <a:camera prst="orthographicFront"/>
+      <a:lightRig rig="threePt" dir="t"/>
+    </dgm:scene3d>
+    <dgm:sp3d/>
+    <dgm:txPr/>
+    <dgm:style>
+      <a:lnRef idx="1">
+        <a:scrgbClr r="0" g="0" b="0"/>
+      </a:lnRef>
+      <a:fillRef idx="0">
+        <a:scrgbClr r="0" g="0" b="0"/>
+      </a:fillRef>
+      <a:effectRef idx="0">
+        <a:scrgbClr r="0" g="0" b="0"/>
+      </a:effectRef>
+      <a:fontRef idx="minor"/>
+    </dgm:style>
+  </dgm:styleLbl>
+  <dgm:styleLbl name="parChTrans1D4">
+    <dgm:scene3d>
+      <a:camera prst="orthographicFront"/>
+      <a:lightRig rig="threePt" dir="t"/>
+    </dgm:scene3d>
+    <dgm:sp3d/>
+    <dgm:txPr/>
+    <dgm:style>
+      <a:lnRef idx="1">
+        <a:scrgbClr r="0" g="0" b="0"/>
+      </a:lnRef>
+      <a:fillRef idx="0">
+        <a:scrgbClr r="0" g="0" b="0"/>
+      </a:fillRef>
+      <a:effectRef idx="0">
+        <a:scrgbClr r="0" g="0" b="0"/>
+      </a:effectRef>
+      <a:fontRef idx="minor"/>
+    </dgm:style>
+  </dgm:styleLbl>
+  <dgm:styleLbl name="fgAcc1">
+    <dgm:scene3d>
+      <a:camera prst="orthographicFront"/>
+      <a:lightRig rig="threePt" dir="t"/>
+    </dgm:scene3d>
+    <dgm:sp3d/>
+    <dgm:txPr/>
+    <dgm:style>
+      <a:lnRef idx="1">
+        <a:scrgbClr r="0" g="0" b="0"/>
+      </a:lnRef>
+      <a:fillRef idx="1">
+        <a:scrgbClr r="0" g="0" b="0"/>
+      </a:fillRef>
+      <a:effectRef idx="0">
+        <a:scrgbClr r="0" g="0" b="0"/>
+      </a:effectRef>
+      <a:fontRef idx="minor"/>
+    </dgm:style>
+  </dgm:styleLbl>
+  <dgm:styleLbl name="conFgAcc1">
+    <dgm:scene3d>
+      <a:camera prst="orthographicFront"/>
+      <a:lightRig rig="threePt" dir="t"/>
+    </dgm:scene3d>
+    <dgm:sp3d/>
+    <dgm:txPr/>
+    <dgm:style>
+      <a:lnRef idx="1">
+        <a:scrgbClr r="0" g="0" b="0"/>
+      </a:lnRef>
+      <a:fillRef idx="1">
+        <a:scrgbClr r="0" g="0" b="0"/>
+      </a:fillRef>
+      <a:effectRef idx="0">
+        <a:scrgbClr r="0" g="0" b="0"/>
+      </a:effectRef>
+      <a:fontRef idx="minor"/>
+    </dgm:style>
+  </dgm:styleLbl>
+  <dgm:styleLbl name="alignAcc1">
+    <dgm:scene3d>
+      <a:camera prst="orthographicFront"/>
+      <a:lightRig rig="threePt" dir="t"/>
+    </dgm:scene3d>
+    <dgm:sp3d/>
+    <dgm:txPr/>
+    <dgm:style>
+      <a:lnRef idx="1">
+        <a:scrgbClr r="0" g="0" b="0"/>
+      </a:lnRef>
+      <a:fillRef idx="1">
+        <a:scrgbClr r="0" g="0" b="0"/>
+      </a:fillRef>
+      <a:effectRef idx="0">
+        <a:scrgbClr r="0" g="0" b="0"/>
+      </a:effectRef>
+      <a:fontRef idx="minor"/>
+    </dgm:style>
+  </dgm:styleLbl>
+  <dgm:styleLbl name="trAlignAcc1">
+    <dgm:scene3d>
+      <a:camera prst="orthographicFront"/>
+      <a:lightRig rig="threePt" dir="t"/>
+    </dgm:scene3d>
+    <dgm:sp3d/>
+    <dgm:txPr/>
+    <dgm:style>
+      <a:lnRef idx="1">
+        <a:scrgbClr r="0" g="0" b="0"/>
+      </a:lnRef>
+      <a:fillRef idx="1">
+        <a:scrgbClr r="0" g="0" b="0"/>
+      </a:fillRef>
+      <a:effectRef idx="0">
+        <a:scrgbClr r="0" g="0" b="0"/>
+      </a:effectRef>
+      <a:fontRef idx="minor"/>
+    </dgm:style>
+  </dgm:styleLbl>
+  <dgm:styleLbl name="bgAcc1">
+    <dgm:scene3d>
+      <a:camera prst="orthographicFront"/>
+      <a:lightRig rig="threePt" dir="t"/>
+    </dgm:scene3d>
+    <dgm:sp3d/>
+    <dgm:txPr/>
+    <dgm:style>
+      <a:lnRef idx="1">
+        <a:scrgbClr r="0" g="0" b="0"/>
+      </a:lnRef>
+      <a:fillRef idx="1">
+        <a:scrgbClr r="0" g="0" b="0"/>
+      </a:fillRef>
+      <a:effectRef idx="0">
+        <a:scrgbClr r="0" g="0" b="0"/>
+      </a:effectRef>
+      <a:fontRef idx="minor"/>
+    </dgm:style>
+  </dgm:styleLbl>
+  <dgm:styleLbl name="solidFgAcc1">
+    <dgm:scene3d>
+      <a:camera prst="orthographicFront"/>
+      <a:lightRig rig="threePt" dir="t"/>
+    </dgm:scene3d>
+    <dgm:sp3d/>
+    <dgm:txPr/>
+    <dgm:style>
+      <a:lnRef idx="1">
+        <a:scrgbClr r="0" g="0" b="0"/>
+      </a:lnRef>
+      <a:fillRef idx="1">
+        <a:scrgbClr r="0" g="0" b="0"/>
+      </a:fillRef>
+      <a:effectRef idx="0">
+        <a:scrgbClr r="0" g="0" b="0"/>
+      </a:effectRef>
+      <a:fontRef idx="minor"/>
+    </dgm:style>
+  </dgm:styleLbl>
+  <dgm:styleLbl name="solidAlignAcc1">
+    <dgm:scene3d>
+      <a:camera prst="orthographicFront"/>
+      <a:lightRig rig="threePt" dir="t"/>
+    </dgm:scene3d>
+    <dgm:sp3d/>
+    <dgm:txPr/>
+    <dgm:style>
+      <a:lnRef idx="1">
+        <a:scrgbClr r="0" g="0" b="0"/>
+      </a:lnRef>
+      <a:fillRef idx="1">
+        <a:scrgbClr r="0" g="0" b="0"/>
+      </a:fillRef>
+      <a:effectRef idx="0">
+        <a:scrgbClr r="0" g="0" b="0"/>
+      </a:effectRef>
+      <a:fontRef idx="minor"/>
+    </dgm:style>
+  </dgm:styleLbl>
+  <dgm:styleLbl name="solidBgAcc1">
+    <dgm:scene3d>
+      <a:camera prst="orthographicFront"/>
+      <a:lightRig rig="threePt" dir="t"/>
+    </dgm:scene3d>
+    <dgm:sp3d/>
+    <dgm:txPr/>
+    <dgm:style>
+      <a:lnRef idx="1">
+        <a:scrgbClr r="0" g="0" b="0"/>
+      </a:lnRef>
+      <a:fillRef idx="1">
+        <a:scrgbClr r="0" g="0" b="0"/>
+      </a:fillRef>
+      <a:effectRef idx="0">
+        <a:scrgbClr r="0" g="0" b="0"/>
+      </a:effectRef>
+      <a:fontRef idx="minor"/>
+    </dgm:style>
+  </dgm:styleLbl>
+  <dgm:styleLbl name="fgAccFollowNode1">
+    <dgm:scene3d>
+      <a:camera prst="orthographicFront"/>
+      <a:lightRig rig="threePt" dir="t"/>
+    </dgm:scene3d>
+    <dgm:sp3d/>
+    <dgm:txPr/>
+    <dgm:style>
+      <a:lnRef idx="1">
+        <a:scrgbClr r="0" g="0" b="0"/>
+      </a:lnRef>
+      <a:fillRef idx="1">
+        <a:scrgbClr r="0" g="0" b="0"/>
+      </a:fillRef>
+      <a:effectRef idx="0">
+        <a:scrgbClr r="0" g="0" b="0"/>
+      </a:effectRef>
+      <a:fontRef idx="minor"/>
+    </dgm:style>
+  </dgm:styleLbl>
+  <dgm:styleLbl name="alignAccFollowNode1">
+    <dgm:scene3d>
+      <a:camera prst="orthographicFront"/>
+      <a:lightRig rig="threePt" dir="t"/>
+    </dgm:scene3d>
+    <dgm:sp3d/>
+    <dgm:txPr/>
+    <dgm:style>
+      <a:lnRef idx="1">
+        <a:scrgbClr r="0" g="0" b="0"/>
+      </a:lnRef>
+      <a:fillRef idx="1">
+        <a:scrgbClr r="0" g="0" b="0"/>
+      </a:fillRef>
+      <a:effectRef idx="0">
+        <a:scrgbClr r="0" g="0" b="0"/>
+      </a:effectRef>
+      <a:fontRef idx="minor"/>
+    </dgm:style>
+  </dgm:styleLbl>
+  <dgm:styleLbl name="bgAccFollowNode1">
+    <dgm:scene3d>
+      <a:camera prst="orthographicFront"/>
+      <a:lightRig rig="threePt" dir="t"/>
+    </dgm:scene3d>
+    <dgm:sp3d/>
+    <dgm:txPr/>
+    <dgm:style>
+      <a:lnRef idx="1">
+        <a:scrgbClr r="0" g="0" b="0"/>
+      </a:lnRef>
+      <a:fillRef idx="1">
+        <a:scrgbClr r="0" g="0" b="0"/>
+      </a:fillRef>
+      <a:effectRef idx="0">
+        <a:scrgbClr r="0" g="0" b="0"/>
+      </a:effectRef>
+      <a:fontRef idx="minor"/>
+    </dgm:style>
+  </dgm:styleLbl>
+  <dgm:styleLbl name="fgAcc0">
+    <dgm:scene3d>
+      <a:camera prst="orthographicFront"/>
+      <a:lightRig rig="threePt" dir="t"/>
+    </dgm:scene3d>
+    <dgm:sp3d/>
+    <dgm:txPr/>
+    <dgm:style>
+      <a:lnRef idx="1">
+        <a:scrgbClr r="0" g="0" b="0"/>
+      </a:lnRef>
+      <a:fillRef idx="1">
+        <a:scrgbClr r="0" g="0" b="0"/>
+      </a:fillRef>
+      <a:effectRef idx="0">
+        <a:scrgbClr r="0" g="0" b="0"/>
+      </a:effectRef>
+      <a:fontRef idx="minor"/>
+    </dgm:style>
+  </dgm:styleLbl>
+  <dgm:styleLbl name="fgAcc2">
+    <dgm:scene3d>
+      <a:camera prst="orthographicFront"/>
+      <a:lightRig rig="threePt" dir="t"/>
+    </dgm:scene3d>
+    <dgm:sp3d/>
+    <dgm:txPr/>
+    <dgm:style>
+      <a:lnRef idx="1">
+        <a:scrgbClr r="0" g="0" b="0"/>
+      </a:lnRef>
+      <a:fillRef idx="1">
+        <a:scrgbClr r="0" g="0" b="0"/>
+      </a:fillRef>
+      <a:effectRef idx="0">
+        <a:scrgbClr r="0" g="0" b="0"/>
+      </a:effectRef>
+      <a:fontRef idx="minor"/>
+    </dgm:style>
+  </dgm:styleLbl>
+  <dgm:styleLbl name="fgAcc3">
+    <dgm:scene3d>
+      <a:camera prst="orthographicFront"/>
+      <a:lightRig rig="threePt" dir="t"/>
+    </dgm:scene3d>
+    <dgm:sp3d/>
+    <dgm:txPr/>
+    <dgm:style>
+      <a:lnRef idx="1">
+        <a:scrgbClr r="0" g="0" b="0"/>
+      </a:lnRef>
+      <a:fillRef idx="1">
+        <a:scrgbClr r="0" g="0" b="0"/>
+      </a:fillRef>
+      <a:effectRef idx="0">
+        <a:scrgbClr r="0" g="0" b="0"/>
+      </a:effectRef>
+      <a:fontRef idx="minor"/>
+    </dgm:style>
+  </dgm:styleLbl>
+  <dgm:styleLbl name="fgAcc4">
+    <dgm:scene3d>
+      <a:camera prst="orthographicFront"/>
+      <a:lightRig rig="threePt" dir="t"/>
+    </dgm:scene3d>
+    <dgm:sp3d/>
+    <dgm:txPr/>
+    <dgm:style>
+      <a:lnRef idx="1">
+        <a:scrgbClr r="0" g="0" b="0"/>
+      </a:lnRef>
+      <a:fillRef idx="1">
+        <a:scrgbClr r="0" g="0" b="0"/>
+      </a:fillRef>
+      <a:effectRef idx="0">
+        <a:scrgbClr r="0" g="0" b="0"/>
+      </a:effectRef>
+      <a:fontRef idx="minor"/>
+    </dgm:style>
+  </dgm:styleLbl>
+  <dgm:styleLbl name="bgShp">
+    <dgm:scene3d>
+      <a:camera prst="orthographicFront"/>
+      <a:lightRig rig="threePt" dir="t"/>
+    </dgm:scene3d>
+    <dgm:sp3d/>
+    <dgm:txPr/>
+    <dgm:style>
+      <a:lnRef idx="0">
+        <a:scrgbClr r="0" g="0" b="0"/>
+      </a:lnRef>
+      <a:fillRef idx="1">
+        <a:scrgbClr r="0" g="0" b="0"/>
+      </a:fillRef>
+      <a:effectRef idx="2">
+        <a:scrgbClr r="0" g="0" b="0"/>
+      </a:effectRef>
+      <a:fontRef idx="minor"/>
+    </dgm:style>
+  </dgm:styleLbl>
+  <dgm:styleLbl name="dkBgShp">
+    <dgm:scene3d>
+      <a:camera prst="orthographicFront"/>
+      <a:lightRig rig="threePt" dir="t"/>
+    </dgm:scene3d>
+    <dgm:sp3d/>
+    <dgm:txPr/>
+    <dgm:style>
+      <a:lnRef idx="0">
+        <a:scrgbClr r="0" g="0" b="0"/>
+      </a:lnRef>
+      <a:fillRef idx="1">
+        <a:scrgbClr r="0" g="0" b="0"/>
+      </a:fillRef>
+      <a:effectRef idx="2">
+        <a:scrgbClr r="0" g="0" b="0"/>
+      </a:effectRef>
+      <a:fontRef idx="minor"/>
+    </dgm:style>
+  </dgm:styleLbl>
+  <dgm:styleLbl name="trBgShp">
+    <dgm:scene3d>
+      <a:camera prst="orthographicFront"/>
+      <a:lightRig rig="threePt" dir="t"/>
+    </dgm:scene3d>
+    <dgm:sp3d/>
+    <dgm:txPr/>
+    <dgm:style>
+      <a:lnRef idx="0">
+        <a:scrgbClr r="0" g="0" b="0"/>
+      </a:lnRef>
+      <a:fillRef idx="1">
+        <a:scrgbClr r="0" g="0" b="0"/>
+      </a:fillRef>
+      <a:effectRef idx="0">
+        <a:scrgbClr r="0" g="0" b="0"/>
+      </a:effectRef>
+      <a:fontRef idx="minor"/>
+    </dgm:style>
+  </dgm:styleLbl>
+  <dgm:styleLbl name="fgShp">
+    <dgm:scene3d>
+      <a:camera prst="orthographicFront"/>
+      <a:lightRig rig="threePt" dir="t"/>
+    </dgm:scene3d>
+    <dgm:sp3d/>
+    <dgm:txPr/>
+    <dgm:style>
+      <a:lnRef idx="0">
+        <a:scrgbClr r="0" g="0" b="0"/>
+      </a:lnRef>
+      <a:fillRef idx="3">
+        <a:scrgbClr r="0" g="0" b="0"/>
+      </a:fillRef>
+      <a:effectRef idx="2">
+        <a:scrgbClr r="0" g="0" b="0"/>
+      </a:effectRef>
+      <a:fontRef idx="minor"/>
+    </dgm:style>
+  </dgm:styleLbl>
+  <dgm:styleLbl name="revTx">
+    <dgm:scene3d>
+      <a:camera prst="orthographicFront"/>
+      <a:lightRig rig="threePt" dir="t"/>
+    </dgm:scene3d>
+    <dgm:sp3d/>
+    <dgm:txPr/>
+    <dgm:style>
+      <a:lnRef idx="0">
+        <a:scrgbClr r="0" g="0" b="0"/>
+      </a:lnRef>
+      <a:fillRef idx="0">
+        <a:scrgbClr r="0" g="0" b="0"/>
+      </a:fillRef>
+      <a:effectRef idx="0">
+        <a:scrgbClr r="0" g="0" b="0"/>
+      </a:effectRef>
+      <a:fontRef idx="minor"/>
+    </dgm:style>
+  </dgm:styleLbl>
+</dgm:styleDef>
+</file>
+
+<file path=ppt/diagrams/quickStyle6.xml><?xml version="1.0" encoding="utf-8"?>
 <dgm:styleDef xmlns:dgm="http://schemas.openxmlformats.org/drawingml/2006/diagram" xmlns:a="http://schemas.openxmlformats.org/drawingml/2006/main" uniqueId="urn:microsoft.com/office/officeart/2005/8/quickstyle/simple1">
   <dgm:title val=""/>
   <dgm:desc val=""/>
@@ -23501,6 +26334,126 @@
           <a:chExt cx="0" cy="0"/>
         </a:xfrm>
       </p:grpSpPr>
+      <p:sp>
+        <p:nvSpPr>
+          <p:cNvPr id="2" name="Title 1">
+            <a:extLst>
+              <a:ext uri="{FF2B5EF4-FFF2-40B4-BE49-F238E27FC236}">
+                <a16:creationId xmlns:a16="http://schemas.microsoft.com/office/drawing/2014/main" id="{C880160B-17D3-8001-F691-EB1A5F402215}"/>
+              </a:ext>
+            </a:extLst>
+          </p:cNvPr>
+          <p:cNvSpPr>
+            <a:spLocks noGrp="1"/>
+          </p:cNvSpPr>
+          <p:nvPr>
+            <p:ph type="title"/>
+          </p:nvPr>
+        </p:nvSpPr>
+        <p:spPr>
+          <a:xfrm>
+            <a:off x="1451579" y="804519"/>
+            <a:ext cx="9603275" cy="1049235"/>
+          </a:xfrm>
+        </p:spPr>
+        <p:txBody>
+          <a:bodyPr>
+            <a:normAutofit/>
+          </a:bodyPr>
+          <a:lstStyle/>
+          <a:p>
+            <a:r>
+              <a:rPr lang="en-US" dirty="0"/>
+              <a:t>More data</a:t>
+            </a:r>
+          </a:p>
+        </p:txBody>
+      </p:sp>
+      <p:graphicFrame>
+        <p:nvGraphicFramePr>
+          <p:cNvPr id="5" name="Content Placeholder 2">
+            <a:extLst>
+              <a:ext uri="{FF2B5EF4-FFF2-40B4-BE49-F238E27FC236}">
+                <a16:creationId xmlns:a16="http://schemas.microsoft.com/office/drawing/2014/main" id="{2C77B122-F7B6-215A-475A-8A6583AFC3F2}"/>
+              </a:ext>
+            </a:extLst>
+          </p:cNvPr>
+          <p:cNvGraphicFramePr>
+            <a:graphicFrameLocks noGrp="1"/>
+          </p:cNvGraphicFramePr>
+          <p:nvPr>
+            <p:ph idx="1"/>
+            <p:extLst>
+              <p:ext uri="{D42A27DB-BD31-4B8C-83A1-F6EECF244321}">
+                <p14:modId xmlns:p14="http://schemas.microsoft.com/office/powerpoint/2010/main" val="1826339532"/>
+              </p:ext>
+            </p:extLst>
+          </p:nvPr>
+        </p:nvGraphicFramePr>
+        <p:xfrm>
+          <a:off x="1450975" y="2340435"/>
+          <a:ext cx="9604375" cy="3324494"/>
+        </p:xfrm>
+        <a:graphic>
+          <a:graphicData uri="http://schemas.openxmlformats.org/drawingml/2006/diagram">
+            <dgm:relIds xmlns:dgm="http://schemas.openxmlformats.org/drawingml/2006/diagram" xmlns:r="http://schemas.openxmlformats.org/officeDocument/2006/relationships" r:dm="rId2" r:lo="rId3" r:qs="rId4" r:cs="rId5"/>
+          </a:graphicData>
+        </a:graphic>
+      </p:graphicFrame>
+    </p:spTree>
+    <p:extLst>
+      <p:ext uri="{BB962C8B-B14F-4D97-AF65-F5344CB8AC3E}">
+        <p14:creationId xmlns:p14="http://schemas.microsoft.com/office/powerpoint/2010/main" val="2409786"/>
+      </p:ext>
+    </p:extLst>
+  </p:cSld>
+  <p:clrMapOvr>
+    <a:masterClrMapping/>
+  </p:clrMapOvr>
+</p:sld>
+</file>
+
+<file path=ppt/slides/slide19.xml><?xml version="1.0" encoding="utf-8"?>
+<p:sld xmlns:a="http://schemas.openxmlformats.org/drawingml/2006/main" xmlns:r="http://schemas.openxmlformats.org/officeDocument/2006/relationships" xmlns:p="http://schemas.openxmlformats.org/presentationml/2006/main">
+  <p:cSld>
+    <p:bg>
+      <p:bgPr>
+        <a:gradFill rotWithShape="1">
+          <a:gsLst>
+            <a:gs pos="0">
+              <a:schemeClr val="bg2">
+                <a:tint val="94000"/>
+                <a:satMod val="80000"/>
+                <a:lumMod val="106000"/>
+              </a:schemeClr>
+            </a:gs>
+            <a:gs pos="100000">
+              <a:schemeClr val="bg2">
+                <a:shade val="80000"/>
+              </a:schemeClr>
+            </a:gs>
+          </a:gsLst>
+          <a:path path="circle">
+            <a:fillToRect l="43000" r="43000" b="100000"/>
+          </a:path>
+        </a:gradFill>
+        <a:effectLst/>
+      </p:bgPr>
+    </p:bg>
+    <p:spTree>
+      <p:nvGrpSpPr>
+        <p:cNvPr id="1" name=""/>
+        <p:cNvGrpSpPr/>
+        <p:nvPr/>
+      </p:nvGrpSpPr>
+      <p:grpSpPr>
+        <a:xfrm>
+          <a:off x="0" y="0"/>
+          <a:ext cx="0" cy="0"/>
+          <a:chOff x="0" y="0"/>
+          <a:chExt cx="0" cy="0"/>
+        </a:xfrm>
+      </p:grpSpPr>
       <p:sp useBgFill="1">
         <p:nvSpPr>
           <p:cNvPr id="10" name="Rectangle 9">
@@ -23967,7 +26920,281 @@
 </p:sld>
 </file>
 
-<file path=ppt/slides/slide19.xml><?xml version="1.0" encoding="utf-8"?>
+<file path=ppt/slides/slide2.xml><?xml version="1.0" encoding="utf-8"?>
+<p:sld xmlns:a="http://schemas.openxmlformats.org/drawingml/2006/main" xmlns:r="http://schemas.openxmlformats.org/officeDocument/2006/relationships" xmlns:p="http://schemas.openxmlformats.org/presentationml/2006/main">
+  <p:cSld>
+    <p:spTree>
+      <p:nvGrpSpPr>
+        <p:cNvPr id="1" name=""/>
+        <p:cNvGrpSpPr/>
+        <p:nvPr/>
+      </p:nvGrpSpPr>
+      <p:grpSpPr>
+        <a:xfrm>
+          <a:off x="0" y="0"/>
+          <a:ext cx="0" cy="0"/>
+          <a:chOff x="0" y="0"/>
+          <a:chExt cx="0" cy="0"/>
+        </a:xfrm>
+      </p:grpSpPr>
+      <p:sp>
+        <p:nvSpPr>
+          <p:cNvPr id="2" name="Title 1">
+            <a:extLst>
+              <a:ext uri="{FF2B5EF4-FFF2-40B4-BE49-F238E27FC236}">
+                <a16:creationId xmlns:a16="http://schemas.microsoft.com/office/drawing/2014/main" id="{A31C7F5C-E22B-4201-A2B5-D422525C6C61}"/>
+              </a:ext>
+            </a:extLst>
+          </p:cNvPr>
+          <p:cNvSpPr>
+            <a:spLocks noGrp="1"/>
+          </p:cNvSpPr>
+          <p:nvPr>
+            <p:ph type="title"/>
+          </p:nvPr>
+        </p:nvSpPr>
+        <p:spPr/>
+        <p:txBody>
+          <a:bodyPr/>
+          <a:lstStyle/>
+          <a:p>
+            <a:r>
+              <a:rPr lang="en-US" dirty="0"/>
+              <a:t>Overview</a:t>
+            </a:r>
+          </a:p>
+        </p:txBody>
+      </p:sp>
+      <p:sp>
+        <p:nvSpPr>
+          <p:cNvPr id="3" name="Content Placeholder 2">
+            <a:extLst>
+              <a:ext uri="{FF2B5EF4-FFF2-40B4-BE49-F238E27FC236}">
+                <a16:creationId xmlns:a16="http://schemas.microsoft.com/office/drawing/2014/main" id="{73463719-A2F8-6A2A-F0B5-0F8D032CADA3}"/>
+              </a:ext>
+            </a:extLst>
+          </p:cNvPr>
+          <p:cNvSpPr>
+            <a:spLocks noGrp="1"/>
+          </p:cNvSpPr>
+          <p:nvPr>
+            <p:ph sz="half" idx="1"/>
+          </p:nvPr>
+        </p:nvSpPr>
+        <p:spPr>
+          <a:xfrm>
+            <a:off x="838201" y="1690687"/>
+            <a:ext cx="5181600" cy="4176559"/>
+          </a:xfrm>
+        </p:spPr>
+        <p:txBody>
+          <a:bodyPr/>
+          <a:lstStyle/>
+          <a:p>
+            <a:pPr marL="0" indent="0">
+              <a:buNone/>
+            </a:pPr>
+            <a:r>
+              <a:rPr lang="en-US" dirty="0"/>
+              <a:t>Problem: </a:t>
+            </a:r>
+          </a:p>
+          <a:p>
+            <a:pPr marL="0" indent="0">
+              <a:buNone/>
+            </a:pPr>
+            <a:r>
+              <a:rPr lang="en-US" dirty="0"/>
+              <a:t>making educated decisions to invest is time-consuming and complex.</a:t>
+            </a:r>
+          </a:p>
+        </p:txBody>
+      </p:sp>
+      <p:sp>
+        <p:nvSpPr>
+          <p:cNvPr id="4" name="Content Placeholder 3">
+            <a:extLst>
+              <a:ext uri="{FF2B5EF4-FFF2-40B4-BE49-F238E27FC236}">
+                <a16:creationId xmlns:a16="http://schemas.microsoft.com/office/drawing/2014/main" id="{ED81383A-A10F-FEBD-0F46-7986CE69CAC3}"/>
+              </a:ext>
+            </a:extLst>
+          </p:cNvPr>
+          <p:cNvSpPr>
+            <a:spLocks noGrp="1"/>
+          </p:cNvSpPr>
+          <p:nvPr>
+            <p:ph sz="half" idx="2"/>
+          </p:nvPr>
+        </p:nvSpPr>
+        <p:spPr>
+          <a:xfrm>
+            <a:off x="6172201" y="1690688"/>
+            <a:ext cx="5181600" cy="4351338"/>
+          </a:xfrm>
+        </p:spPr>
+        <p:txBody>
+          <a:bodyPr/>
+          <a:lstStyle/>
+          <a:p>
+            <a:pPr marL="0" indent="0">
+              <a:buNone/>
+            </a:pPr>
+            <a:r>
+              <a:rPr lang="en-US" dirty="0"/>
+              <a:t>Proposed Solution:</a:t>
+            </a:r>
+          </a:p>
+          <a:p>
+            <a:pPr marL="0" indent="0">
+              <a:buNone/>
+            </a:pPr>
+            <a:r>
+              <a:rPr lang="en-US" dirty="0"/>
+              <a:t>Develop a data-driven framework to invest</a:t>
+            </a:r>
+          </a:p>
+        </p:txBody>
+      </p:sp>
+      <p:pic>
+        <p:nvPicPr>
+          <p:cNvPr id="6" name="Picture 5" descr="A close-up of a clock&#10;&#10;Description automatically generated">
+            <a:extLst>
+              <a:ext uri="{FF2B5EF4-FFF2-40B4-BE49-F238E27FC236}">
+                <a16:creationId xmlns:a16="http://schemas.microsoft.com/office/drawing/2014/main" id="{C9591EA3-0B94-8548-3BD2-07A0740D0B6C}"/>
+              </a:ext>
+            </a:extLst>
+          </p:cNvPr>
+          <p:cNvPicPr>
+            <a:picLocks noChangeAspect="1"/>
+          </p:cNvPicPr>
+          <p:nvPr/>
+        </p:nvPicPr>
+        <p:blipFill>
+          <a:blip r:embed="rId2">
+            <a:extLst>
+              <a:ext uri="{28A0092B-C50C-407E-A947-70E740481C1C}">
+                <a14:useLocalDpi xmlns:a14="http://schemas.microsoft.com/office/drawing/2010/main" val="0"/>
+              </a:ext>
+              <a:ext uri="{837473B0-CC2E-450A-ABE3-18F120FF3D39}">
+                <a1611:picAttrSrcUrl xmlns:a1611="http://schemas.microsoft.com/office/drawing/2016/11/main" r:id="rId3"/>
+              </a:ext>
+            </a:extLst>
+          </a:blip>
+          <a:stretch>
+            <a:fillRect/>
+          </a:stretch>
+        </p:blipFill>
+        <p:spPr>
+          <a:xfrm>
+            <a:off x="838200" y="3429000"/>
+            <a:ext cx="4857750" cy="3238500"/>
+          </a:xfrm>
+          <a:prstGeom prst="rect">
+            <a:avLst/>
+          </a:prstGeom>
+        </p:spPr>
+      </p:pic>
+      <p:pic>
+        <p:nvPicPr>
+          <p:cNvPr id="8" name="Picture 7" descr="A person and person looking at a screen&#10;&#10;Description automatically generated">
+            <a:extLst>
+              <a:ext uri="{FF2B5EF4-FFF2-40B4-BE49-F238E27FC236}">
+                <a16:creationId xmlns:a16="http://schemas.microsoft.com/office/drawing/2014/main" id="{549D991C-AAFE-964B-9D3E-855C646D6EDB}"/>
+              </a:ext>
+            </a:extLst>
+          </p:cNvPr>
+          <p:cNvPicPr>
+            <a:picLocks noChangeAspect="1"/>
+          </p:cNvPicPr>
+          <p:nvPr/>
+        </p:nvPicPr>
+        <p:blipFill>
+          <a:blip r:embed="rId4">
+            <a:extLst>
+              <a:ext uri="{28A0092B-C50C-407E-A947-70E740481C1C}">
+                <a14:useLocalDpi xmlns:a14="http://schemas.microsoft.com/office/drawing/2010/main" val="0"/>
+              </a:ext>
+              <a:ext uri="{837473B0-CC2E-450A-ABE3-18F120FF3D39}">
+                <a1611:picAttrSrcUrl xmlns:a1611="http://schemas.microsoft.com/office/drawing/2016/11/main" r:id="rId5"/>
+              </a:ext>
+            </a:extLst>
+          </a:blip>
+          <a:stretch>
+            <a:fillRect/>
+          </a:stretch>
+        </p:blipFill>
+        <p:spPr>
+          <a:xfrm>
+            <a:off x="6275440" y="3238500"/>
+            <a:ext cx="3436901" cy="3429000"/>
+          </a:xfrm>
+          <a:prstGeom prst="rect">
+            <a:avLst/>
+          </a:prstGeom>
+        </p:spPr>
+      </p:pic>
+      <p:sp>
+        <p:nvSpPr>
+          <p:cNvPr id="9" name="TextBox 8">
+            <a:extLst>
+              <a:ext uri="{FF2B5EF4-FFF2-40B4-BE49-F238E27FC236}">
+                <a16:creationId xmlns:a16="http://schemas.microsoft.com/office/drawing/2014/main" id="{4ECE0EC4-70BC-940C-49FC-562CD987451F}"/>
+              </a:ext>
+            </a:extLst>
+          </p:cNvPr>
+          <p:cNvSpPr txBox="1"/>
+          <p:nvPr/>
+        </p:nvSpPr>
+        <p:spPr>
+          <a:xfrm>
+            <a:off x="6275440" y="6822122"/>
+            <a:ext cx="3360701" cy="230832"/>
+          </a:xfrm>
+          <a:prstGeom prst="rect">
+            <a:avLst/>
+          </a:prstGeom>
+          <a:noFill/>
+        </p:spPr>
+        <p:txBody>
+          <a:bodyPr wrap="square" rtlCol="0">
+            <a:spAutoFit/>
+          </a:bodyPr>
+          <a:lstStyle/>
+          <a:p>
+            <a:r>
+              <a:rPr lang="en-US" sz="900">
+                <a:hlinkClick r:id="rId5" tooltip="https://iabac.org/blog/the-future-of-data-driven-business-intelligence"/>
+              </a:rPr>
+              <a:t>This Photo</a:t>
+            </a:r>
+            <a:r>
+              <a:rPr lang="en-US" sz="900"/>
+              <a:t> by Unknown Author is licensed under </a:t>
+            </a:r>
+            <a:r>
+              <a:rPr lang="en-US" sz="900">
+                <a:hlinkClick r:id="rId6" tooltip="https://creativecommons.org/licenses/by-sa/3.0/"/>
+              </a:rPr>
+              <a:t>CC BY-SA</a:t>
+            </a:r>
+            <a:endParaRPr lang="en-US" sz="900"/>
+          </a:p>
+        </p:txBody>
+      </p:sp>
+    </p:spTree>
+    <p:extLst>
+      <p:ext uri="{BB962C8B-B14F-4D97-AF65-F5344CB8AC3E}">
+        <p14:creationId xmlns:p14="http://schemas.microsoft.com/office/powerpoint/2010/main" val="1717423264"/>
+      </p:ext>
+    </p:extLst>
+  </p:cSld>
+  <p:clrMapOvr>
+    <a:masterClrMapping/>
+  </p:clrMapOvr>
+</p:sld>
+</file>
+
+<file path=ppt/slides/slide20.xml><?xml version="1.0" encoding="utf-8"?>
 <p:sld xmlns:a="http://schemas.openxmlformats.org/drawingml/2006/main" xmlns:r="http://schemas.openxmlformats.org/officeDocument/2006/relationships" xmlns:p="http://schemas.openxmlformats.org/presentationml/2006/main">
   <p:cSld>
     <p:spTree>
@@ -24401,281 +27628,7 @@
 </p:sld>
 </file>
 
-<file path=ppt/slides/slide2.xml><?xml version="1.0" encoding="utf-8"?>
-<p:sld xmlns:a="http://schemas.openxmlformats.org/drawingml/2006/main" xmlns:r="http://schemas.openxmlformats.org/officeDocument/2006/relationships" xmlns:p="http://schemas.openxmlformats.org/presentationml/2006/main">
-  <p:cSld>
-    <p:spTree>
-      <p:nvGrpSpPr>
-        <p:cNvPr id="1" name=""/>
-        <p:cNvGrpSpPr/>
-        <p:nvPr/>
-      </p:nvGrpSpPr>
-      <p:grpSpPr>
-        <a:xfrm>
-          <a:off x="0" y="0"/>
-          <a:ext cx="0" cy="0"/>
-          <a:chOff x="0" y="0"/>
-          <a:chExt cx="0" cy="0"/>
-        </a:xfrm>
-      </p:grpSpPr>
-      <p:sp>
-        <p:nvSpPr>
-          <p:cNvPr id="2" name="Title 1">
-            <a:extLst>
-              <a:ext uri="{FF2B5EF4-FFF2-40B4-BE49-F238E27FC236}">
-                <a16:creationId xmlns:a16="http://schemas.microsoft.com/office/drawing/2014/main" id="{A31C7F5C-E22B-4201-A2B5-D422525C6C61}"/>
-              </a:ext>
-            </a:extLst>
-          </p:cNvPr>
-          <p:cNvSpPr>
-            <a:spLocks noGrp="1"/>
-          </p:cNvSpPr>
-          <p:nvPr>
-            <p:ph type="title"/>
-          </p:nvPr>
-        </p:nvSpPr>
-        <p:spPr/>
-        <p:txBody>
-          <a:bodyPr/>
-          <a:lstStyle/>
-          <a:p>
-            <a:r>
-              <a:rPr lang="en-US" dirty="0"/>
-              <a:t>Overview</a:t>
-            </a:r>
-          </a:p>
-        </p:txBody>
-      </p:sp>
-      <p:sp>
-        <p:nvSpPr>
-          <p:cNvPr id="3" name="Content Placeholder 2">
-            <a:extLst>
-              <a:ext uri="{FF2B5EF4-FFF2-40B4-BE49-F238E27FC236}">
-                <a16:creationId xmlns:a16="http://schemas.microsoft.com/office/drawing/2014/main" id="{73463719-A2F8-6A2A-F0B5-0F8D032CADA3}"/>
-              </a:ext>
-            </a:extLst>
-          </p:cNvPr>
-          <p:cNvSpPr>
-            <a:spLocks noGrp="1"/>
-          </p:cNvSpPr>
-          <p:nvPr>
-            <p:ph sz="half" idx="1"/>
-          </p:nvPr>
-        </p:nvSpPr>
-        <p:spPr>
-          <a:xfrm>
-            <a:off x="838201" y="1690687"/>
-            <a:ext cx="5181600" cy="4176559"/>
-          </a:xfrm>
-        </p:spPr>
-        <p:txBody>
-          <a:bodyPr/>
-          <a:lstStyle/>
-          <a:p>
-            <a:pPr marL="0" indent="0">
-              <a:buNone/>
-            </a:pPr>
-            <a:r>
-              <a:rPr lang="en-US" dirty="0"/>
-              <a:t>Problem: </a:t>
-            </a:r>
-          </a:p>
-          <a:p>
-            <a:pPr marL="0" indent="0">
-              <a:buNone/>
-            </a:pPr>
-            <a:r>
-              <a:rPr lang="en-US" dirty="0"/>
-              <a:t>making educated decisions to invest is time-consuming and complex.</a:t>
-            </a:r>
-          </a:p>
-        </p:txBody>
-      </p:sp>
-      <p:sp>
-        <p:nvSpPr>
-          <p:cNvPr id="4" name="Content Placeholder 3">
-            <a:extLst>
-              <a:ext uri="{FF2B5EF4-FFF2-40B4-BE49-F238E27FC236}">
-                <a16:creationId xmlns:a16="http://schemas.microsoft.com/office/drawing/2014/main" id="{ED81383A-A10F-FEBD-0F46-7986CE69CAC3}"/>
-              </a:ext>
-            </a:extLst>
-          </p:cNvPr>
-          <p:cNvSpPr>
-            <a:spLocks noGrp="1"/>
-          </p:cNvSpPr>
-          <p:nvPr>
-            <p:ph sz="half" idx="2"/>
-          </p:nvPr>
-        </p:nvSpPr>
-        <p:spPr>
-          <a:xfrm>
-            <a:off x="6172201" y="1690688"/>
-            <a:ext cx="5181600" cy="4351338"/>
-          </a:xfrm>
-        </p:spPr>
-        <p:txBody>
-          <a:bodyPr/>
-          <a:lstStyle/>
-          <a:p>
-            <a:pPr marL="0" indent="0">
-              <a:buNone/>
-            </a:pPr>
-            <a:r>
-              <a:rPr lang="en-US" dirty="0"/>
-              <a:t>Proposed Solution:</a:t>
-            </a:r>
-          </a:p>
-          <a:p>
-            <a:pPr marL="0" indent="0">
-              <a:buNone/>
-            </a:pPr>
-            <a:r>
-              <a:rPr lang="en-US" dirty="0"/>
-              <a:t>Develop a data-driven framework to invest</a:t>
-            </a:r>
-          </a:p>
-        </p:txBody>
-      </p:sp>
-      <p:pic>
-        <p:nvPicPr>
-          <p:cNvPr id="6" name="Picture 5" descr="A close-up of a clock&#10;&#10;Description automatically generated">
-            <a:extLst>
-              <a:ext uri="{FF2B5EF4-FFF2-40B4-BE49-F238E27FC236}">
-                <a16:creationId xmlns:a16="http://schemas.microsoft.com/office/drawing/2014/main" id="{C9591EA3-0B94-8548-3BD2-07A0740D0B6C}"/>
-              </a:ext>
-            </a:extLst>
-          </p:cNvPr>
-          <p:cNvPicPr>
-            <a:picLocks noChangeAspect="1"/>
-          </p:cNvPicPr>
-          <p:nvPr/>
-        </p:nvPicPr>
-        <p:blipFill>
-          <a:blip r:embed="rId2">
-            <a:extLst>
-              <a:ext uri="{28A0092B-C50C-407E-A947-70E740481C1C}">
-                <a14:useLocalDpi xmlns:a14="http://schemas.microsoft.com/office/drawing/2010/main" val="0"/>
-              </a:ext>
-              <a:ext uri="{837473B0-CC2E-450A-ABE3-18F120FF3D39}">
-                <a1611:picAttrSrcUrl xmlns:a1611="http://schemas.microsoft.com/office/drawing/2016/11/main" r:id="rId3"/>
-              </a:ext>
-            </a:extLst>
-          </a:blip>
-          <a:stretch>
-            <a:fillRect/>
-          </a:stretch>
-        </p:blipFill>
-        <p:spPr>
-          <a:xfrm>
-            <a:off x="838200" y="3429000"/>
-            <a:ext cx="4857750" cy="3238500"/>
-          </a:xfrm>
-          <a:prstGeom prst="rect">
-            <a:avLst/>
-          </a:prstGeom>
-        </p:spPr>
-      </p:pic>
-      <p:pic>
-        <p:nvPicPr>
-          <p:cNvPr id="8" name="Picture 7" descr="A person and person looking at a screen&#10;&#10;Description automatically generated">
-            <a:extLst>
-              <a:ext uri="{FF2B5EF4-FFF2-40B4-BE49-F238E27FC236}">
-                <a16:creationId xmlns:a16="http://schemas.microsoft.com/office/drawing/2014/main" id="{549D991C-AAFE-964B-9D3E-855C646D6EDB}"/>
-              </a:ext>
-            </a:extLst>
-          </p:cNvPr>
-          <p:cNvPicPr>
-            <a:picLocks noChangeAspect="1"/>
-          </p:cNvPicPr>
-          <p:nvPr/>
-        </p:nvPicPr>
-        <p:blipFill>
-          <a:blip r:embed="rId4">
-            <a:extLst>
-              <a:ext uri="{28A0092B-C50C-407E-A947-70E740481C1C}">
-                <a14:useLocalDpi xmlns:a14="http://schemas.microsoft.com/office/drawing/2010/main" val="0"/>
-              </a:ext>
-              <a:ext uri="{837473B0-CC2E-450A-ABE3-18F120FF3D39}">
-                <a1611:picAttrSrcUrl xmlns:a1611="http://schemas.microsoft.com/office/drawing/2016/11/main" r:id="rId5"/>
-              </a:ext>
-            </a:extLst>
-          </a:blip>
-          <a:stretch>
-            <a:fillRect/>
-          </a:stretch>
-        </p:blipFill>
-        <p:spPr>
-          <a:xfrm>
-            <a:off x="6275440" y="3238500"/>
-            <a:ext cx="3436901" cy="3429000"/>
-          </a:xfrm>
-          <a:prstGeom prst="rect">
-            <a:avLst/>
-          </a:prstGeom>
-        </p:spPr>
-      </p:pic>
-      <p:sp>
-        <p:nvSpPr>
-          <p:cNvPr id="9" name="TextBox 8">
-            <a:extLst>
-              <a:ext uri="{FF2B5EF4-FFF2-40B4-BE49-F238E27FC236}">
-                <a16:creationId xmlns:a16="http://schemas.microsoft.com/office/drawing/2014/main" id="{4ECE0EC4-70BC-940C-49FC-562CD987451F}"/>
-              </a:ext>
-            </a:extLst>
-          </p:cNvPr>
-          <p:cNvSpPr txBox="1"/>
-          <p:nvPr/>
-        </p:nvSpPr>
-        <p:spPr>
-          <a:xfrm>
-            <a:off x="6275440" y="6822122"/>
-            <a:ext cx="3360701" cy="230832"/>
-          </a:xfrm>
-          <a:prstGeom prst="rect">
-            <a:avLst/>
-          </a:prstGeom>
-          <a:noFill/>
-        </p:spPr>
-        <p:txBody>
-          <a:bodyPr wrap="square" rtlCol="0">
-            <a:spAutoFit/>
-          </a:bodyPr>
-          <a:lstStyle/>
-          <a:p>
-            <a:r>
-              <a:rPr lang="en-US" sz="900">
-                <a:hlinkClick r:id="rId5" tooltip="https://iabac.org/blog/the-future-of-data-driven-business-intelligence"/>
-              </a:rPr>
-              <a:t>This Photo</a:t>
-            </a:r>
-            <a:r>
-              <a:rPr lang="en-US" sz="900"/>
-              <a:t> by Unknown Author is licensed under </a:t>
-            </a:r>
-            <a:r>
-              <a:rPr lang="en-US" sz="900">
-                <a:hlinkClick r:id="rId6" tooltip="https://creativecommons.org/licenses/by-sa/3.0/"/>
-              </a:rPr>
-              <a:t>CC BY-SA</a:t>
-            </a:r>
-            <a:endParaRPr lang="en-US" sz="900"/>
-          </a:p>
-        </p:txBody>
-      </p:sp>
-    </p:spTree>
-    <p:extLst>
-      <p:ext uri="{BB962C8B-B14F-4D97-AF65-F5344CB8AC3E}">
-        <p14:creationId xmlns:p14="http://schemas.microsoft.com/office/powerpoint/2010/main" val="1717423264"/>
-      </p:ext>
-    </p:extLst>
-  </p:cSld>
-  <p:clrMapOvr>
-    <a:masterClrMapping/>
-  </p:clrMapOvr>
-</p:sld>
-</file>
-
-<file path=ppt/slides/slide20.xml><?xml version="1.0" encoding="utf-8"?>
+<file path=ppt/slides/slide21.xml><?xml version="1.0" encoding="utf-8"?>
 <p:sld xmlns:a="http://schemas.openxmlformats.org/drawingml/2006/main" xmlns:r="http://schemas.openxmlformats.org/officeDocument/2006/relationships" xmlns:p="http://schemas.openxmlformats.org/presentationml/2006/main">
   <p:cSld>
     <p:bg>
@@ -24977,7 +27930,7 @@
 </p:sld>
 </file>
 
-<file path=ppt/slides/slide21.xml><?xml version="1.0" encoding="utf-8"?>
+<file path=ppt/slides/slide22.xml><?xml version="1.0" encoding="utf-8"?>
 <p:sld xmlns:a="http://schemas.openxmlformats.org/drawingml/2006/main" xmlns:r="http://schemas.openxmlformats.org/officeDocument/2006/relationships" xmlns:p="http://schemas.openxmlformats.org/presentationml/2006/main">
   <p:cSld>
     <p:spTree>
